--- a/(生命聖詩08)榮耀歸於真神.pptx
+++ b/(生命聖詩08)榮耀歸於真神.pptx
@@ -2,15 +2,18 @@
 <file path=ppt/presentation.xml><?xml version="1.0" encoding="utf-8"?>
 <p:presentation xmlns:a="http://schemas.openxmlformats.org/drawingml/2006/main" xmlns:r="http://schemas.openxmlformats.org/officeDocument/2006/relationships" xmlns:p="http://schemas.openxmlformats.org/presentationml/2006/main" saveSubsetFonts="1">
   <p:sldMasterIdLst>
-    <p:sldMasterId id="2147483648" r:id="rId1"/>
+    <p:sldMasterId id="2147483660" r:id="rId1"/>
   </p:sldMasterIdLst>
   <p:sldIdLst>
     <p:sldId id="256" r:id="rId2"/>
     <p:sldId id="257" r:id="rId3"/>
-    <p:sldId id="258" r:id="rId4"/>
-    <p:sldId id="259" r:id="rId5"/>
-    <p:sldId id="260" r:id="rId6"/>
-    <p:sldId id="261" r:id="rId7"/>
+    <p:sldId id="262" r:id="rId4"/>
+    <p:sldId id="258" r:id="rId5"/>
+    <p:sldId id="263" r:id="rId6"/>
+    <p:sldId id="264" r:id="rId7"/>
+    <p:sldId id="260" r:id="rId8"/>
+    <p:sldId id="265" r:id="rId9"/>
+    <p:sldId id="266" r:id="rId10"/>
   </p:sldIdLst>
   <p:sldSz cx="9144000" cy="6858000" type="screen4x3"/>
   <p:notesSz cx="6858000" cy="9144000"/>
@@ -293,7 +296,8 @@
           <a:p>
             <a:fld id="{8B9173F3-6C38-4885-B6B6-FAC70369B588}" type="datetimeFigureOut">
               <a:rPr lang="zh-TW" altLang="en-US" smtClean="0"/>
-              <a:t>2017/6/6</a:t>
+              <a:pPr/>
+              <a:t>2019/5/5</a:t>
             </a:fld>
             <a:endParaRPr lang="zh-TW" altLang="en-US"/>
           </a:p>
@@ -335,6 +339,7 @@
           <a:p>
             <a:fld id="{4DE8FFF8-329D-4024-B180-3DBDC9E40E59}" type="slidenum">
               <a:rPr lang="zh-TW" altLang="en-US" smtClean="0"/>
+              <a:pPr/>
               <a:t>‹#›</a:t>
             </a:fld>
             <a:endParaRPr lang="zh-TW" altLang="en-US"/>
@@ -458,7 +463,8 @@
           <a:p>
             <a:fld id="{8B9173F3-6C38-4885-B6B6-FAC70369B588}" type="datetimeFigureOut">
               <a:rPr lang="zh-TW" altLang="en-US" smtClean="0"/>
-              <a:t>2017/6/6</a:t>
+              <a:pPr/>
+              <a:t>2019/5/5</a:t>
             </a:fld>
             <a:endParaRPr lang="zh-TW" altLang="en-US"/>
           </a:p>
@@ -500,6 +506,7 @@
           <a:p>
             <a:fld id="{4DE8FFF8-329D-4024-B180-3DBDC9E40E59}" type="slidenum">
               <a:rPr lang="zh-TW" altLang="en-US" smtClean="0"/>
+              <a:pPr/>
               <a:t>‹#›</a:t>
             </a:fld>
             <a:endParaRPr lang="zh-TW" altLang="en-US"/>
@@ -633,7 +640,8 @@
           <a:p>
             <a:fld id="{8B9173F3-6C38-4885-B6B6-FAC70369B588}" type="datetimeFigureOut">
               <a:rPr lang="zh-TW" altLang="en-US" smtClean="0"/>
-              <a:t>2017/6/6</a:t>
+              <a:pPr/>
+              <a:t>2019/5/5</a:t>
             </a:fld>
             <a:endParaRPr lang="zh-TW" altLang="en-US"/>
           </a:p>
@@ -675,6 +683,7 @@
           <a:p>
             <a:fld id="{4DE8FFF8-329D-4024-B180-3DBDC9E40E59}" type="slidenum">
               <a:rPr lang="zh-TW" altLang="en-US" smtClean="0"/>
+              <a:pPr/>
               <a:t>‹#›</a:t>
             </a:fld>
             <a:endParaRPr lang="zh-TW" altLang="en-US"/>
@@ -798,7 +807,8 @@
           <a:p>
             <a:fld id="{8B9173F3-6C38-4885-B6B6-FAC70369B588}" type="datetimeFigureOut">
               <a:rPr lang="zh-TW" altLang="en-US" smtClean="0"/>
-              <a:t>2017/6/6</a:t>
+              <a:pPr/>
+              <a:t>2019/5/5</a:t>
             </a:fld>
             <a:endParaRPr lang="zh-TW" altLang="en-US"/>
           </a:p>
@@ -840,6 +850,7 @@
           <a:p>
             <a:fld id="{4DE8FFF8-329D-4024-B180-3DBDC9E40E59}" type="slidenum">
               <a:rPr lang="zh-TW" altLang="en-US" smtClean="0"/>
+              <a:pPr/>
               <a:t>‹#›</a:t>
             </a:fld>
             <a:endParaRPr lang="zh-TW" altLang="en-US"/>
@@ -1039,7 +1050,8 @@
           <a:p>
             <a:fld id="{8B9173F3-6C38-4885-B6B6-FAC70369B588}" type="datetimeFigureOut">
               <a:rPr lang="zh-TW" altLang="en-US" smtClean="0"/>
-              <a:t>2017/6/6</a:t>
+              <a:pPr/>
+              <a:t>2019/5/5</a:t>
             </a:fld>
             <a:endParaRPr lang="zh-TW" altLang="en-US"/>
           </a:p>
@@ -1081,6 +1093,7 @@
           <a:p>
             <a:fld id="{4DE8FFF8-329D-4024-B180-3DBDC9E40E59}" type="slidenum">
               <a:rPr lang="zh-TW" altLang="en-US" smtClean="0"/>
+              <a:pPr/>
               <a:t>‹#›</a:t>
             </a:fld>
             <a:endParaRPr lang="zh-TW" altLang="en-US"/>
@@ -1322,7 +1335,8 @@
           <a:p>
             <a:fld id="{8B9173F3-6C38-4885-B6B6-FAC70369B588}" type="datetimeFigureOut">
               <a:rPr lang="zh-TW" altLang="en-US" smtClean="0"/>
-              <a:t>2017/6/6</a:t>
+              <a:pPr/>
+              <a:t>2019/5/5</a:t>
             </a:fld>
             <a:endParaRPr lang="zh-TW" altLang="en-US"/>
           </a:p>
@@ -1364,6 +1378,7 @@
           <a:p>
             <a:fld id="{4DE8FFF8-329D-4024-B180-3DBDC9E40E59}" type="slidenum">
               <a:rPr lang="zh-TW" altLang="en-US" smtClean="0"/>
+              <a:pPr/>
               <a:t>‹#›</a:t>
             </a:fld>
             <a:endParaRPr lang="zh-TW" altLang="en-US"/>
@@ -1739,7 +1754,8 @@
           <a:p>
             <a:fld id="{8B9173F3-6C38-4885-B6B6-FAC70369B588}" type="datetimeFigureOut">
               <a:rPr lang="zh-TW" altLang="en-US" smtClean="0"/>
-              <a:t>2017/6/6</a:t>
+              <a:pPr/>
+              <a:t>2019/5/5</a:t>
             </a:fld>
             <a:endParaRPr lang="zh-TW" altLang="en-US"/>
           </a:p>
@@ -1781,6 +1797,7 @@
           <a:p>
             <a:fld id="{4DE8FFF8-329D-4024-B180-3DBDC9E40E59}" type="slidenum">
               <a:rPr lang="zh-TW" altLang="en-US" smtClean="0"/>
+              <a:pPr/>
               <a:t>‹#›</a:t>
             </a:fld>
             <a:endParaRPr lang="zh-TW" altLang="en-US"/>
@@ -1852,7 +1869,8 @@
           <a:p>
             <a:fld id="{8B9173F3-6C38-4885-B6B6-FAC70369B588}" type="datetimeFigureOut">
               <a:rPr lang="zh-TW" altLang="en-US" smtClean="0"/>
-              <a:t>2017/6/6</a:t>
+              <a:pPr/>
+              <a:t>2019/5/5</a:t>
             </a:fld>
             <a:endParaRPr lang="zh-TW" altLang="en-US"/>
           </a:p>
@@ -1894,6 +1912,7 @@
           <a:p>
             <a:fld id="{4DE8FFF8-329D-4024-B180-3DBDC9E40E59}" type="slidenum">
               <a:rPr lang="zh-TW" altLang="en-US" smtClean="0"/>
+              <a:pPr/>
               <a:t>‹#›</a:t>
             </a:fld>
             <a:endParaRPr lang="zh-TW" altLang="en-US"/>
@@ -1942,7 +1961,8 @@
           <a:p>
             <a:fld id="{8B9173F3-6C38-4885-B6B6-FAC70369B588}" type="datetimeFigureOut">
               <a:rPr lang="zh-TW" altLang="en-US" smtClean="0"/>
-              <a:t>2017/6/6</a:t>
+              <a:pPr/>
+              <a:t>2019/5/5</a:t>
             </a:fld>
             <a:endParaRPr lang="zh-TW" altLang="en-US"/>
           </a:p>
@@ -1984,6 +2004,7 @@
           <a:p>
             <a:fld id="{4DE8FFF8-329D-4024-B180-3DBDC9E40E59}" type="slidenum">
               <a:rPr lang="zh-TW" altLang="en-US" smtClean="0"/>
+              <a:pPr/>
               <a:t>‹#›</a:t>
             </a:fld>
             <a:endParaRPr lang="zh-TW" altLang="en-US"/>
@@ -2214,7 +2235,8 @@
           <a:p>
             <a:fld id="{8B9173F3-6C38-4885-B6B6-FAC70369B588}" type="datetimeFigureOut">
               <a:rPr lang="zh-TW" altLang="en-US" smtClean="0"/>
-              <a:t>2017/6/6</a:t>
+              <a:pPr/>
+              <a:t>2019/5/5</a:t>
             </a:fld>
             <a:endParaRPr lang="zh-TW" altLang="en-US"/>
           </a:p>
@@ -2256,6 +2278,7 @@
           <a:p>
             <a:fld id="{4DE8FFF8-329D-4024-B180-3DBDC9E40E59}" type="slidenum">
               <a:rPr lang="zh-TW" altLang="en-US" smtClean="0"/>
+              <a:pPr/>
               <a:t>‹#›</a:t>
             </a:fld>
             <a:endParaRPr lang="zh-TW" altLang="en-US"/>
@@ -2376,6 +2399,10 @@
             </a:lvl9pPr>
           </a:lstStyle>
           <a:p>
+            <a:r>
+              <a:rPr lang="zh-TW" altLang="en-US" smtClean="0"/>
+              <a:t>按一下圖示以新增圖片</a:t>
+            </a:r>
             <a:endParaRPr lang="zh-TW" altLang="en-US"/>
           </a:p>
         </p:txBody>
@@ -2462,7 +2489,8 @@
           <a:p>
             <a:fld id="{8B9173F3-6C38-4885-B6B6-FAC70369B588}" type="datetimeFigureOut">
               <a:rPr lang="zh-TW" altLang="en-US" smtClean="0"/>
-              <a:t>2017/6/6</a:t>
+              <a:pPr/>
+              <a:t>2019/5/5</a:t>
             </a:fld>
             <a:endParaRPr lang="zh-TW" altLang="en-US"/>
           </a:p>
@@ -2504,6 +2532,7 @@
           <a:p>
             <a:fld id="{4DE8FFF8-329D-4024-B180-3DBDC9E40E59}" type="slidenum">
               <a:rPr lang="zh-TW" altLang="en-US" smtClean="0"/>
+              <a:pPr/>
               <a:t>‹#›</a:t>
             </a:fld>
             <a:endParaRPr lang="zh-TW" altLang="en-US"/>
@@ -2522,9 +2551,14 @@
 <p:sldMaster xmlns:a="http://schemas.openxmlformats.org/drawingml/2006/main" xmlns:r="http://schemas.openxmlformats.org/officeDocument/2006/relationships" xmlns:p="http://schemas.openxmlformats.org/presentationml/2006/main">
   <p:cSld>
     <p:bg>
-      <p:bgRef idx="1001">
-        <a:schemeClr val="bg1"/>
-      </p:bgRef>
+      <p:bgPr>
+        <a:blipFill dpi="0" rotWithShape="1">
+          <a:blip r:embed="rId13"/>
+          <a:srcRect/>
+          <a:tile tx="0" ty="0" sx="100000" sy="100000" flip="none" algn="tl"/>
+        </a:blipFill>
+        <a:effectLst/>
+      </p:bgPr>
     </p:bg>
     <p:spTree>
       <p:nvGrpSpPr>
@@ -2670,7 +2704,8 @@
           <a:p>
             <a:fld id="{8B9173F3-6C38-4885-B6B6-FAC70369B588}" type="datetimeFigureOut">
               <a:rPr lang="zh-TW" altLang="en-US" smtClean="0"/>
-              <a:t>2017/6/6</a:t>
+              <a:pPr/>
+              <a:t>2019/5/5</a:t>
             </a:fld>
             <a:endParaRPr lang="zh-TW" altLang="en-US"/>
           </a:p>
@@ -2748,6 +2783,7 @@
           <a:p>
             <a:fld id="{4DE8FFF8-329D-4024-B180-3DBDC9E40E59}" type="slidenum">
               <a:rPr lang="zh-TW" altLang="en-US" smtClean="0"/>
+              <a:pPr/>
               <a:t>‹#›</a:t>
             </a:fld>
             <a:endParaRPr lang="zh-TW" altLang="en-US"/>
@@ -2758,17 +2794,17 @@
   </p:cSld>
   <p:clrMap bg1="lt1" tx1="dk1" bg2="lt2" tx2="dk2" accent1="accent1" accent2="accent2" accent3="accent3" accent4="accent4" accent5="accent5" accent6="accent6" hlink="hlink" folHlink="folHlink"/>
   <p:sldLayoutIdLst>
-    <p:sldLayoutId id="2147483649" r:id="rId1"/>
-    <p:sldLayoutId id="2147483650" r:id="rId2"/>
-    <p:sldLayoutId id="2147483651" r:id="rId3"/>
-    <p:sldLayoutId id="2147483652" r:id="rId4"/>
-    <p:sldLayoutId id="2147483653" r:id="rId5"/>
-    <p:sldLayoutId id="2147483654" r:id="rId6"/>
-    <p:sldLayoutId id="2147483655" r:id="rId7"/>
-    <p:sldLayoutId id="2147483656" r:id="rId8"/>
-    <p:sldLayoutId id="2147483657" r:id="rId9"/>
-    <p:sldLayoutId id="2147483658" r:id="rId10"/>
-    <p:sldLayoutId id="2147483659" r:id="rId11"/>
+    <p:sldLayoutId id="2147483661" r:id="rId1"/>
+    <p:sldLayoutId id="2147483662" r:id="rId2"/>
+    <p:sldLayoutId id="2147483663" r:id="rId3"/>
+    <p:sldLayoutId id="2147483664" r:id="rId4"/>
+    <p:sldLayoutId id="2147483665" r:id="rId5"/>
+    <p:sldLayoutId id="2147483666" r:id="rId6"/>
+    <p:sldLayoutId id="2147483667" r:id="rId7"/>
+    <p:sldLayoutId id="2147483668" r:id="rId8"/>
+    <p:sldLayoutId id="2147483669" r:id="rId9"/>
+    <p:sldLayoutId id="2147483670" r:id="rId10"/>
+    <p:sldLayoutId id="2147483671" r:id="rId11"/>
   </p:sldLayoutIdLst>
   <p:txStyles>
     <p:titleStyle>
@@ -3057,9 +3093,8 @@
           <a:p>
             <a:r>
               <a:rPr lang="zh-TW" altLang="en-US" b="1" dirty="0">
-                <a:solidFill>
-                  <a:srgbClr val="7030A0"/>
-                </a:solidFill>
+                <a:latin typeface="微軟正黑體" pitchFamily="34" charset="-120"/>
+                <a:ea typeface="微軟正黑體" pitchFamily="34" charset="-120"/>
               </a:rPr>
               <a:t>榮耀歸於真神</a:t>
             </a:r>
@@ -3076,10 +3111,15 @@
             <p:ph idx="1"/>
           </p:nvPr>
         </p:nvSpPr>
-        <p:spPr/>
+        <p:spPr>
+          <a:xfrm>
+            <a:off x="0" y="1600200"/>
+            <a:ext cx="9144000" cy="4525963"/>
+          </a:xfrm>
+        </p:spPr>
         <p:txBody>
           <a:bodyPr anchor="ctr">
-            <a:normAutofit/>
+            <a:noAutofit/>
           </a:bodyPr>
           <a:lstStyle/>
           <a:p>
@@ -3087,25 +3127,22 @@
               <a:buNone/>
             </a:pPr>
             <a:r>
-              <a:rPr lang="zh-TW" altLang="en-US" sz="4800" b="1" dirty="0">
-                <a:solidFill>
-                  <a:srgbClr val="7030A0"/>
-                </a:solidFill>
+              <a:rPr lang="zh-TW" altLang="en-US" sz="5400" b="1" dirty="0">
+                <a:latin typeface="微軟正黑體" pitchFamily="34" charset="-120"/>
+                <a:ea typeface="微軟正黑體" pitchFamily="34" charset="-120"/>
               </a:rPr>
               <a:t>榮耀歸於</a:t>
             </a:r>
             <a:r>
-              <a:rPr lang="zh-TW" altLang="en-US" sz="4800" b="1" dirty="0" smtClean="0">
-                <a:solidFill>
-                  <a:srgbClr val="7030A0"/>
-                </a:solidFill>
+              <a:rPr lang="zh-TW" altLang="en-US" sz="5400" b="1" dirty="0" smtClean="0">
+                <a:latin typeface="微軟正黑體" pitchFamily="34" charset="-120"/>
+                <a:ea typeface="微軟正黑體" pitchFamily="34" charset="-120"/>
               </a:rPr>
               <a:t>真神</a:t>
             </a:r>
-            <a:endParaRPr lang="en-US" altLang="zh-TW" sz="4800" b="1" dirty="0" smtClean="0">
-              <a:solidFill>
-                <a:srgbClr val="7030A0"/>
-              </a:solidFill>
+            <a:endParaRPr lang="en-US" altLang="zh-TW" sz="5400" b="1" dirty="0" smtClean="0">
+              <a:latin typeface="微軟正黑體" pitchFamily="34" charset="-120"/>
+              <a:ea typeface="微軟正黑體" pitchFamily="34" charset="-120"/>
             </a:endParaRPr>
           </a:p>
           <a:p>
@@ -3113,33 +3150,29 @@
               <a:buNone/>
             </a:pPr>
             <a:r>
-              <a:rPr lang="zh-TW" altLang="en-US" sz="4800" b="1" dirty="0" smtClean="0">
-                <a:solidFill>
-                  <a:srgbClr val="7030A0"/>
-                </a:solidFill>
+              <a:rPr lang="zh-TW" altLang="en-US" sz="5400" b="1" dirty="0" smtClean="0">
+                <a:latin typeface="微軟正黑體" pitchFamily="34" charset="-120"/>
+                <a:ea typeface="微軟正黑體" pitchFamily="34" charset="-120"/>
               </a:rPr>
               <a:t>祂</a:t>
             </a:r>
             <a:r>
-              <a:rPr lang="zh-TW" altLang="en-US" sz="4800" b="1" dirty="0">
-                <a:solidFill>
-                  <a:srgbClr val="7030A0"/>
-                </a:solidFill>
+              <a:rPr lang="zh-TW" altLang="en-US" sz="5400" b="1" dirty="0">
+                <a:latin typeface="微軟正黑體" pitchFamily="34" charset="-120"/>
+                <a:ea typeface="微軟正黑體" pitchFamily="34" charset="-120"/>
               </a:rPr>
               <a:t>成就</a:t>
             </a:r>
             <a:r>
-              <a:rPr lang="zh-TW" altLang="en-US" sz="4800" b="1" dirty="0" smtClean="0">
-                <a:solidFill>
-                  <a:srgbClr val="7030A0"/>
-                </a:solidFill>
+              <a:rPr lang="zh-TW" altLang="en-US" sz="5400" b="1" dirty="0" smtClean="0">
+                <a:latin typeface="微軟正黑體" pitchFamily="34" charset="-120"/>
+                <a:ea typeface="微軟正黑體" pitchFamily="34" charset="-120"/>
               </a:rPr>
               <a:t>大事</a:t>
             </a:r>
-            <a:endParaRPr lang="en-US" altLang="zh-TW" sz="4800" b="1" dirty="0" smtClean="0">
-              <a:solidFill>
-                <a:srgbClr val="7030A0"/>
-              </a:solidFill>
+            <a:endParaRPr lang="en-US" altLang="zh-TW" sz="5400" b="1" dirty="0" smtClean="0">
+              <a:latin typeface="微軟正黑體" pitchFamily="34" charset="-120"/>
+              <a:ea typeface="微軟正黑體" pitchFamily="34" charset="-120"/>
             </a:endParaRPr>
           </a:p>
           <a:p>
@@ -3147,33 +3180,29 @@
               <a:buNone/>
             </a:pPr>
             <a:r>
-              <a:rPr lang="zh-TW" altLang="en-US" sz="4800" b="1" dirty="0" smtClean="0">
-                <a:solidFill>
-                  <a:srgbClr val="7030A0"/>
-                </a:solidFill>
+              <a:rPr lang="zh-TW" altLang="en-US" sz="5400" b="1" dirty="0" smtClean="0">
+                <a:latin typeface="微軟正黑體" pitchFamily="34" charset="-120"/>
+                <a:ea typeface="微軟正黑體" pitchFamily="34" charset="-120"/>
               </a:rPr>
               <a:t>為</a:t>
             </a:r>
             <a:r>
-              <a:rPr lang="zh-TW" altLang="en-US" sz="4800" b="1" dirty="0">
-                <a:solidFill>
-                  <a:srgbClr val="7030A0"/>
-                </a:solidFill>
+              <a:rPr lang="zh-TW" altLang="en-US" sz="5400" b="1" dirty="0">
+                <a:latin typeface="微軟正黑體" pitchFamily="34" charset="-120"/>
+                <a:ea typeface="微軟正黑體" pitchFamily="34" charset="-120"/>
               </a:rPr>
               <a:t>愛世人甚至賜下</a:t>
             </a:r>
             <a:r>
-              <a:rPr lang="zh-TW" altLang="en-US" sz="4800" b="1" dirty="0" smtClean="0">
-                <a:solidFill>
-                  <a:srgbClr val="7030A0"/>
-                </a:solidFill>
+              <a:rPr lang="zh-TW" altLang="en-US" sz="5400" b="1" dirty="0" smtClean="0">
+                <a:latin typeface="微軟正黑體" pitchFamily="34" charset="-120"/>
+                <a:ea typeface="微軟正黑體" pitchFamily="34" charset="-120"/>
               </a:rPr>
               <a:t>獨生子</a:t>
             </a:r>
-            <a:endParaRPr lang="en-US" altLang="zh-TW" sz="4800" b="1" dirty="0" smtClean="0">
-              <a:solidFill>
-                <a:srgbClr val="7030A0"/>
-              </a:solidFill>
+            <a:endParaRPr lang="en-US" altLang="zh-TW" sz="5400" b="1" dirty="0" smtClean="0">
+              <a:latin typeface="微軟正黑體" pitchFamily="34" charset="-120"/>
+              <a:ea typeface="微軟正黑體" pitchFamily="34" charset="-120"/>
             </a:endParaRPr>
           </a:p>
           <a:p>
@@ -3181,49 +3210,43 @@
               <a:buNone/>
             </a:pPr>
             <a:r>
-              <a:rPr lang="zh-TW" altLang="en-US" sz="4800" b="1" dirty="0" smtClean="0">
-                <a:solidFill>
-                  <a:srgbClr val="7030A0"/>
-                </a:solidFill>
+              <a:rPr lang="zh-TW" altLang="en-US" sz="5400" b="1" dirty="0" smtClean="0">
+                <a:latin typeface="微軟正黑體" pitchFamily="34" charset="-120"/>
+                <a:ea typeface="微軟正黑體" pitchFamily="34" charset="-120"/>
               </a:rPr>
               <a:t> </a:t>
             </a:r>
             <a:r>
-              <a:rPr lang="zh-TW" altLang="en-US" sz="4800" b="1" dirty="0">
-                <a:solidFill>
-                  <a:srgbClr val="7030A0"/>
-                </a:solidFill>
+              <a:rPr lang="zh-TW" altLang="en-US" sz="5400" b="1" dirty="0">
+                <a:latin typeface="微軟正黑體" pitchFamily="34" charset="-120"/>
+                <a:ea typeface="微軟正黑體" pitchFamily="34" charset="-120"/>
               </a:rPr>
               <a:t>獻上祂</a:t>
             </a:r>
             <a:r>
-              <a:rPr lang="zh-TW" altLang="en-US" sz="4800" b="1" dirty="0" smtClean="0">
-                <a:solidFill>
-                  <a:srgbClr val="7030A0"/>
-                </a:solidFill>
+              <a:rPr lang="zh-TW" altLang="en-US" sz="5400" b="1" dirty="0" smtClean="0">
+                <a:latin typeface="微軟正黑體" pitchFamily="34" charset="-120"/>
+                <a:ea typeface="微軟正黑體" pitchFamily="34" charset="-120"/>
               </a:rPr>
               <a:t>生命為人</a:t>
             </a:r>
             <a:r>
-              <a:rPr lang="zh-TW" altLang="en-US" sz="4800" b="1" dirty="0">
-                <a:solidFill>
-                  <a:srgbClr val="7030A0"/>
-                </a:solidFill>
+              <a:rPr lang="zh-TW" altLang="en-US" sz="5400" b="1" dirty="0">
+                <a:latin typeface="微軟正黑體" pitchFamily="34" charset="-120"/>
+                <a:ea typeface="微軟正黑體" pitchFamily="34" charset="-120"/>
               </a:rPr>
               <a:t>贖罪</a:t>
             </a:r>
             <a:r>
-              <a:rPr lang="zh-TW" altLang="en-US" sz="4800" b="1" dirty="0" smtClean="0">
-                <a:solidFill>
-                  <a:srgbClr val="7030A0"/>
-                </a:solidFill>
+              <a:rPr lang="zh-TW" altLang="en-US" sz="5400" b="1" dirty="0" smtClean="0">
+                <a:latin typeface="微軟正黑體" pitchFamily="34" charset="-120"/>
+                <a:ea typeface="微軟正黑體" pitchFamily="34" charset="-120"/>
               </a:rPr>
               <a:t>受害</a:t>
             </a:r>
-            <a:endParaRPr lang="en-US" altLang="zh-TW" sz="4800" b="1" dirty="0" smtClean="0">
-              <a:solidFill>
-                <a:srgbClr val="7030A0"/>
-              </a:solidFill>
+            <a:endParaRPr lang="en-US" altLang="zh-TW" sz="5400" b="1" dirty="0" smtClean="0">
+              <a:latin typeface="微軟正黑體" pitchFamily="34" charset="-120"/>
+              <a:ea typeface="微軟正黑體" pitchFamily="34" charset="-120"/>
             </a:endParaRPr>
           </a:p>
           <a:p>
@@ -3231,33 +3254,43 @@
               <a:buNone/>
             </a:pPr>
             <a:r>
-              <a:rPr lang="zh-TW" altLang="en-US" sz="4800" b="1" dirty="0" smtClean="0">
-                <a:solidFill>
-                  <a:srgbClr val="7030A0"/>
-                </a:solidFill>
+              <a:rPr lang="zh-TW" altLang="en-US" sz="5400" b="1" dirty="0" smtClean="0">
+                <a:latin typeface="微軟正黑體" pitchFamily="34" charset="-120"/>
+                <a:ea typeface="微軟正黑體" pitchFamily="34" charset="-120"/>
               </a:rPr>
               <a:t>永生</a:t>
             </a:r>
             <a:r>
-              <a:rPr lang="zh-TW" altLang="en-US" sz="4800" b="1" dirty="0">
-                <a:solidFill>
-                  <a:srgbClr val="7030A0"/>
-                </a:solidFill>
-              </a:rPr>
-              <a:t>門已大開，人人可</a:t>
-            </a:r>
-            <a:r>
-              <a:rPr lang="zh-TW" altLang="en-US" sz="4800" b="1" dirty="0" smtClean="0">
-                <a:solidFill>
-                  <a:srgbClr val="7030A0"/>
-                </a:solidFill>
+              <a:rPr lang="zh-TW" altLang="en-US" sz="5400" b="1" dirty="0">
+                <a:latin typeface="微軟正黑體" pitchFamily="34" charset="-120"/>
+                <a:ea typeface="微軟正黑體" pitchFamily="34" charset="-120"/>
+              </a:rPr>
+              <a:t>門已大</a:t>
+            </a:r>
+            <a:r>
+              <a:rPr lang="zh-TW" altLang="en-US" sz="5400" b="1" dirty="0" smtClean="0">
+                <a:latin typeface="微軟正黑體" pitchFamily="34" charset="-120"/>
+                <a:ea typeface="微軟正黑體" pitchFamily="34" charset="-120"/>
+              </a:rPr>
+              <a:t>開   人人</a:t>
+            </a:r>
+            <a:r>
+              <a:rPr lang="zh-TW" altLang="en-US" sz="5400" b="1" dirty="0">
+                <a:latin typeface="微軟正黑體" pitchFamily="34" charset="-120"/>
+                <a:ea typeface="微軟正黑體" pitchFamily="34" charset="-120"/>
+              </a:rPr>
+              <a:t>可</a:t>
+            </a:r>
+            <a:r>
+              <a:rPr lang="zh-TW" altLang="en-US" sz="5400" b="1" dirty="0" smtClean="0">
+                <a:latin typeface="微軟正黑體" pitchFamily="34" charset="-120"/>
+                <a:ea typeface="微軟正黑體" pitchFamily="34" charset="-120"/>
               </a:rPr>
               <a:t>進來 </a:t>
             </a:r>
-            <a:endParaRPr lang="zh-TW" altLang="en-US" sz="4800" b="1" dirty="0">
-              <a:solidFill>
-                <a:srgbClr val="7030A0"/>
-              </a:solidFill>
+            <a:endParaRPr lang="zh-TW" altLang="en-US" sz="5400" b="1" dirty="0">
+              <a:latin typeface="微軟正黑體" pitchFamily="34" charset="-120"/>
+              <a:ea typeface="微軟正黑體" pitchFamily="34" charset="-120"/>
             </a:endParaRPr>
           </a:p>
         </p:txBody>
@@ -3299,68 +3332,100 @@
         </p:nvSpPr>
         <p:spPr/>
         <p:txBody>
-          <a:bodyPr/>
-          <a:lstStyle/>
-          <a:p>
-            <a:r>
-              <a:rPr lang="zh-TW" altLang="en-US" b="1" dirty="0">
-                <a:solidFill>
-                  <a:srgbClr val="7030A0"/>
-                </a:solidFill>
-              </a:rPr>
-              <a:t>榮耀歸於真神</a:t>
-            </a:r>
-          </a:p>
-        </p:txBody>
-      </p:sp>
-      <p:sp>
-        <p:nvSpPr>
-          <p:cNvPr id="3" name="內容版面配置區 2"/>
-          <p:cNvSpPr>
-            <a:spLocks noGrp="1"/>
-          </p:cNvSpPr>
-          <p:nvPr>
-            <p:ph idx="1"/>
-          </p:nvPr>
-        </p:nvSpPr>
-        <p:spPr/>
-        <p:txBody>
-          <a:bodyPr anchor="ctr">
+          <a:bodyPr>
             <a:normAutofit/>
           </a:bodyPr>
           <a:lstStyle/>
           <a:p>
+            <a:r>
+              <a:rPr lang="zh-TW" altLang="en-US" b="1" dirty="0">
+                <a:latin typeface="微軟正黑體" pitchFamily="34" charset="-120"/>
+                <a:ea typeface="微軟正黑體" pitchFamily="34" charset="-120"/>
+              </a:rPr>
+              <a:t>榮耀歸於真神</a:t>
+            </a:r>
+          </a:p>
+        </p:txBody>
+      </p:sp>
+      <p:sp>
+        <p:nvSpPr>
+          <p:cNvPr id="3" name="內容版面配置區 2"/>
+          <p:cNvSpPr>
+            <a:spLocks noGrp="1"/>
+          </p:cNvSpPr>
+          <p:nvPr>
+            <p:ph idx="1"/>
+          </p:nvPr>
+        </p:nvSpPr>
+        <p:spPr>
+          <a:xfrm>
+            <a:off x="0" y="1600200"/>
+            <a:ext cx="9144000" cy="4525963"/>
+          </a:xfrm>
+        </p:spPr>
+        <p:txBody>
+          <a:bodyPr anchor="t">
+            <a:noAutofit/>
+          </a:bodyPr>
+          <a:lstStyle/>
+          <a:p>
             <a:pPr algn="ctr">
               <a:buNone/>
             </a:pPr>
             <a:r>
-              <a:rPr lang="zh-TW" altLang="en-US" sz="4400" b="1" dirty="0">
-                <a:solidFill>
-                  <a:srgbClr val="7030A0"/>
-                </a:solidFill>
-              </a:rPr>
-              <a:t>讚美主，讚美主，全地聆聽主</a:t>
-            </a:r>
-            <a:r>
-              <a:rPr lang="zh-TW" altLang="en-US" sz="4400" b="1" dirty="0" smtClean="0">
-                <a:solidFill>
-                  <a:srgbClr val="7030A0"/>
-                </a:solidFill>
+              <a:rPr lang="zh-TW" altLang="en-US" sz="5400" b="1" dirty="0">
+                <a:latin typeface="微軟正黑體" pitchFamily="34" charset="-120"/>
+                <a:ea typeface="微軟正黑體" pitchFamily="34" charset="-120"/>
+              </a:rPr>
+              <a:t>讚美</a:t>
+            </a:r>
+            <a:r>
+              <a:rPr lang="zh-TW" altLang="en-US" sz="5400" b="1" dirty="0" smtClean="0">
+                <a:latin typeface="微軟正黑體" pitchFamily="34" charset="-120"/>
+                <a:ea typeface="微軟正黑體" pitchFamily="34" charset="-120"/>
+              </a:rPr>
+              <a:t>主   讚美主</a:t>
+            </a:r>
+            <a:endParaRPr lang="en-US" altLang="zh-TW" sz="5400" b="1" dirty="0" smtClean="0">
+              <a:latin typeface="微軟正黑體" pitchFamily="34" charset="-120"/>
+              <a:ea typeface="微軟正黑體" pitchFamily="34" charset="-120"/>
+            </a:endParaRPr>
+          </a:p>
+          <a:p>
+            <a:pPr algn="ctr">
+              <a:buNone/>
+            </a:pPr>
+            <a:r>
+              <a:rPr lang="zh-TW" altLang="en-US" sz="5400" b="1" dirty="0" smtClean="0">
+                <a:latin typeface="微軟正黑體" pitchFamily="34" charset="-120"/>
+                <a:ea typeface="微軟正黑體" pitchFamily="34" charset="-120"/>
+              </a:rPr>
+              <a:t>全</a:t>
+            </a:r>
+            <a:r>
+              <a:rPr lang="zh-TW" altLang="en-US" sz="5400" b="1" dirty="0">
+                <a:latin typeface="微軟正黑體" pitchFamily="34" charset="-120"/>
+                <a:ea typeface="微軟正黑體" pitchFamily="34" charset="-120"/>
+              </a:rPr>
+              <a:t>地聆聽主</a:t>
+            </a:r>
+            <a:r>
+              <a:rPr lang="zh-TW" altLang="en-US" sz="5400" b="1" dirty="0" smtClean="0">
+                <a:latin typeface="微軟正黑體" pitchFamily="34" charset="-120"/>
+                <a:ea typeface="微軟正黑體" pitchFamily="34" charset="-120"/>
               </a:rPr>
               <a:t>聲</a:t>
             </a:r>
             <a:r>
-              <a:rPr lang="zh-TW" altLang="en-US" sz="4400" b="1" dirty="0">
-                <a:solidFill>
-                  <a:srgbClr val="7030A0"/>
-                </a:solidFill>
+              <a:rPr lang="zh-TW" altLang="en-US" sz="5400" b="1" dirty="0">
+                <a:latin typeface="微軟正黑體" pitchFamily="34" charset="-120"/>
+                <a:ea typeface="微軟正黑體" pitchFamily="34" charset="-120"/>
               </a:rPr>
               <a:t>　　</a:t>
             </a:r>
-            <a:endParaRPr lang="en-US" altLang="zh-TW" sz="4400" b="1" dirty="0" smtClean="0">
-              <a:solidFill>
-                <a:srgbClr val="7030A0"/>
-              </a:solidFill>
+            <a:endParaRPr lang="en-US" altLang="zh-TW" sz="5400" b="1" dirty="0" smtClean="0">
+              <a:latin typeface="微軟正黑體" pitchFamily="34" charset="-120"/>
+              <a:ea typeface="微軟正黑體" pitchFamily="34" charset="-120"/>
             </a:endParaRPr>
           </a:p>
           <a:p>
@@ -3368,117 +3433,52 @@
               <a:buNone/>
             </a:pPr>
             <a:r>
-              <a:rPr lang="zh-TW" altLang="en-US" sz="4400" b="1" dirty="0" smtClean="0">
-                <a:solidFill>
-                  <a:srgbClr val="7030A0"/>
-                </a:solidFill>
+              <a:rPr lang="zh-TW" altLang="en-US" sz="5400" b="1" dirty="0" smtClean="0">
+                <a:latin typeface="微軟正黑體" pitchFamily="34" charset="-120"/>
+                <a:ea typeface="微軟正黑體" pitchFamily="34" charset="-120"/>
               </a:rPr>
               <a:t>讚美</a:t>
             </a:r>
             <a:r>
-              <a:rPr lang="zh-TW" altLang="en-US" sz="4400" b="1" dirty="0">
-                <a:solidFill>
-                  <a:srgbClr val="7030A0"/>
-                </a:solidFill>
-              </a:rPr>
-              <a:t>主，讚美主，萬民快樂</a:t>
-            </a:r>
-            <a:r>
-              <a:rPr lang="zh-TW" altLang="en-US" sz="4400" b="1" dirty="0" smtClean="0">
-                <a:solidFill>
-                  <a:srgbClr val="7030A0"/>
-                </a:solidFill>
+              <a:rPr lang="zh-TW" altLang="en-US" sz="5400" b="1" dirty="0" smtClean="0">
+                <a:latin typeface="微軟正黑體" pitchFamily="34" charset="-120"/>
+                <a:ea typeface="微軟正黑體" pitchFamily="34" charset="-120"/>
+              </a:rPr>
+              <a:t>主   讚美主</a:t>
+            </a:r>
+            <a:endParaRPr lang="en-US" altLang="zh-TW" sz="5400" b="1" dirty="0" smtClean="0">
+              <a:latin typeface="微軟正黑體" pitchFamily="34" charset="-120"/>
+              <a:ea typeface="微軟正黑體" pitchFamily="34" charset="-120"/>
+            </a:endParaRPr>
+          </a:p>
+          <a:p>
+            <a:pPr algn="ctr">
+              <a:buNone/>
+            </a:pPr>
+            <a:r>
+              <a:rPr lang="zh-TW" altLang="en-US" sz="5400" b="1" dirty="0" smtClean="0">
+                <a:latin typeface="微軟正黑體" pitchFamily="34" charset="-120"/>
+                <a:ea typeface="微軟正黑體" pitchFamily="34" charset="-120"/>
+              </a:rPr>
+              <a:t>萬</a:t>
+            </a:r>
+            <a:r>
+              <a:rPr lang="zh-TW" altLang="en-US" sz="5400" b="1" dirty="0">
+                <a:latin typeface="微軟正黑體" pitchFamily="34" charset="-120"/>
+                <a:ea typeface="微軟正黑體" pitchFamily="34" charset="-120"/>
+              </a:rPr>
+              <a:t>民快樂</a:t>
+            </a:r>
+            <a:r>
+              <a:rPr lang="zh-TW" altLang="en-US" sz="5400" b="1" dirty="0" smtClean="0">
+                <a:latin typeface="微軟正黑體" pitchFamily="34" charset="-120"/>
+                <a:ea typeface="微軟正黑體" pitchFamily="34" charset="-120"/>
               </a:rPr>
               <a:t>歡欣</a:t>
             </a:r>
-            <a:r>
-              <a:rPr lang="zh-TW" altLang="en-US" sz="4400" b="1" dirty="0">
-                <a:solidFill>
-                  <a:srgbClr val="7030A0"/>
-                </a:solidFill>
-              </a:rPr>
-              <a:t>　　　</a:t>
-            </a:r>
-            <a:endParaRPr lang="en-US" altLang="zh-TW" sz="4400" b="1" dirty="0" smtClean="0">
-              <a:solidFill>
-                <a:srgbClr val="7030A0"/>
-              </a:solidFill>
-            </a:endParaRPr>
-          </a:p>
-          <a:p>
-            <a:pPr algn="ctr">
-              <a:buNone/>
-            </a:pPr>
-            <a:r>
-              <a:rPr lang="zh-TW" altLang="en-US" sz="4400" b="1" dirty="0" smtClean="0">
-                <a:solidFill>
-                  <a:srgbClr val="7030A0"/>
-                </a:solidFill>
-              </a:rPr>
-              <a:t>請</a:t>
-            </a:r>
-            <a:r>
-              <a:rPr lang="zh-TW" altLang="en-US" sz="4400" b="1" dirty="0">
-                <a:solidFill>
-                  <a:srgbClr val="7030A0"/>
-                </a:solidFill>
-              </a:rPr>
-              <a:t>來藉聖子耶穌來到父</a:t>
-            </a:r>
-            <a:r>
-              <a:rPr lang="zh-TW" altLang="en-US" sz="4400" b="1" dirty="0" smtClean="0">
-                <a:solidFill>
-                  <a:srgbClr val="7030A0"/>
-                </a:solidFill>
-              </a:rPr>
-              <a:t>前</a:t>
-            </a:r>
-            <a:r>
-              <a:rPr lang="zh-TW" altLang="en-US" sz="4400" b="1" dirty="0">
-                <a:solidFill>
-                  <a:srgbClr val="7030A0"/>
-                </a:solidFill>
-              </a:rPr>
-              <a:t>　　</a:t>
-            </a:r>
-            <a:endParaRPr lang="en-US" altLang="zh-TW" sz="4400" b="1" dirty="0" smtClean="0">
-              <a:solidFill>
-                <a:srgbClr val="7030A0"/>
-              </a:solidFill>
-            </a:endParaRPr>
-          </a:p>
-          <a:p>
-            <a:pPr algn="ctr">
-              <a:buNone/>
-            </a:pPr>
-            <a:r>
-              <a:rPr lang="zh-TW" altLang="en-US" sz="4400" b="1" dirty="0" smtClean="0">
-                <a:solidFill>
-                  <a:srgbClr val="7030A0"/>
-                </a:solidFill>
-              </a:rPr>
-              <a:t>榮耀</a:t>
-            </a:r>
-            <a:r>
-              <a:rPr lang="zh-TW" altLang="en-US" sz="4400" b="1" dirty="0">
-                <a:solidFill>
-                  <a:srgbClr val="7030A0"/>
-                </a:solidFill>
-              </a:rPr>
-              <a:t>歸主，祂已成就大事</a:t>
-            </a:r>
-            <a:r>
-              <a:rPr lang="zh-TW" altLang="en-US" sz="4400" b="1" dirty="0" smtClean="0">
-                <a:solidFill>
-                  <a:srgbClr val="7030A0"/>
-                </a:solidFill>
-              </a:rPr>
-              <a:t>工</a:t>
-            </a:r>
-            <a:endParaRPr lang="zh-TW" altLang="en-US" sz="4400" b="1" dirty="0">
-              <a:solidFill>
-                <a:srgbClr val="7030A0"/>
-              </a:solidFill>
+            <a:endParaRPr lang="en-US" altLang="zh-TW" sz="5400" b="1" dirty="0" smtClean="0">
+              <a:latin typeface="微軟正黑體" pitchFamily="34" charset="-120"/>
+              <a:ea typeface="微軟正黑體" pitchFamily="34" charset="-120"/>
             </a:endParaRPr>
           </a:p>
         </p:txBody>
@@ -3520,60 +3520,77 @@
         </p:nvSpPr>
         <p:spPr/>
         <p:txBody>
-          <a:bodyPr/>
-          <a:lstStyle/>
-          <a:p>
-            <a:r>
-              <a:rPr lang="zh-TW" altLang="en-US" b="1" dirty="0">
-                <a:solidFill>
-                  <a:srgbClr val="7030A0"/>
-                </a:solidFill>
-              </a:rPr>
-              <a:t>榮耀歸於真神</a:t>
-            </a:r>
-          </a:p>
-        </p:txBody>
-      </p:sp>
-      <p:sp>
-        <p:nvSpPr>
-          <p:cNvPr id="3" name="內容版面配置區 2"/>
-          <p:cNvSpPr>
-            <a:spLocks noGrp="1"/>
-          </p:cNvSpPr>
-          <p:nvPr>
-            <p:ph idx="1"/>
-          </p:nvPr>
-        </p:nvSpPr>
-        <p:spPr/>
-        <p:txBody>
-          <a:bodyPr anchor="ctr">
+          <a:bodyPr>
             <a:normAutofit/>
           </a:bodyPr>
           <a:lstStyle/>
           <a:p>
+            <a:r>
+              <a:rPr lang="zh-TW" altLang="en-US" b="1" dirty="0">
+                <a:latin typeface="微軟正黑體" pitchFamily="34" charset="-120"/>
+                <a:ea typeface="微軟正黑體" pitchFamily="34" charset="-120"/>
+              </a:rPr>
+              <a:t>榮耀歸於真神</a:t>
+            </a:r>
+          </a:p>
+        </p:txBody>
+      </p:sp>
+      <p:sp>
+        <p:nvSpPr>
+          <p:cNvPr id="3" name="內容版面配置區 2"/>
+          <p:cNvSpPr>
+            <a:spLocks noGrp="1"/>
+          </p:cNvSpPr>
+          <p:nvPr>
+            <p:ph idx="1"/>
+          </p:nvPr>
+        </p:nvSpPr>
+        <p:spPr>
+          <a:xfrm>
+            <a:off x="0" y="1600200"/>
+            <a:ext cx="9144000" cy="4525963"/>
+          </a:xfrm>
+        </p:spPr>
+        <p:txBody>
+          <a:bodyPr anchor="t">
+            <a:noAutofit/>
+          </a:bodyPr>
+          <a:lstStyle/>
+          <a:p>
             <a:pPr algn="ctr">
               <a:buNone/>
             </a:pPr>
             <a:r>
-              <a:rPr lang="zh-TW" altLang="en-US" sz="4800" b="1" dirty="0">
-                <a:solidFill>
-                  <a:srgbClr val="7030A0"/>
-                </a:solidFill>
-              </a:rPr>
-              <a:t>救主流寶</a:t>
-            </a:r>
-            <a:r>
-              <a:rPr lang="zh-TW" altLang="en-US" sz="4800" b="1" dirty="0" smtClean="0">
-                <a:solidFill>
-                  <a:srgbClr val="7030A0"/>
-                </a:solidFill>
-              </a:rPr>
-              <a:t>血</a:t>
-            </a:r>
-            <a:endParaRPr lang="en-US" altLang="zh-TW" sz="4800" b="1" dirty="0" smtClean="0">
-              <a:solidFill>
-                <a:srgbClr val="7030A0"/>
-              </a:solidFill>
+              <a:rPr lang="zh-TW" altLang="en-US" sz="5400" b="1" dirty="0" smtClean="0">
+                <a:latin typeface="微軟正黑體" pitchFamily="34" charset="-120"/>
+                <a:ea typeface="微軟正黑體" pitchFamily="34" charset="-120"/>
+              </a:rPr>
+              <a:t>請</a:t>
+            </a:r>
+            <a:r>
+              <a:rPr lang="zh-TW" altLang="en-US" sz="5400" b="1" dirty="0">
+                <a:latin typeface="微軟正黑體" pitchFamily="34" charset="-120"/>
+                <a:ea typeface="微軟正黑體" pitchFamily="34" charset="-120"/>
+              </a:rPr>
+              <a:t>來藉聖子耶穌來到父</a:t>
+            </a:r>
+            <a:r>
+              <a:rPr lang="zh-TW" altLang="en-US" sz="5400" b="1" dirty="0" smtClean="0">
+                <a:latin typeface="微軟正黑體" pitchFamily="34" charset="-120"/>
+                <a:ea typeface="微軟正黑體" pitchFamily="34" charset="-120"/>
+              </a:rPr>
+              <a:t>前</a:t>
+            </a:r>
+            <a:r>
+              <a:rPr lang="zh-TW" altLang="en-US" sz="5400" b="1" dirty="0">
+                <a:latin typeface="微軟正黑體" pitchFamily="34" charset="-120"/>
+                <a:ea typeface="微軟正黑體" pitchFamily="34" charset="-120"/>
+              </a:rPr>
+              <a:t>　　</a:t>
+            </a:r>
+            <a:endParaRPr lang="en-US" altLang="zh-TW" sz="5400" b="1" dirty="0" smtClean="0">
+              <a:latin typeface="微軟正黑體" pitchFamily="34" charset="-120"/>
+              <a:ea typeface="微軟正黑體" pitchFamily="34" charset="-120"/>
             </a:endParaRPr>
           </a:p>
           <a:p>
@@ -3581,33 +3598,29 @@
               <a:buNone/>
             </a:pPr>
             <a:r>
-              <a:rPr lang="zh-TW" altLang="en-US" sz="4800" b="1" dirty="0" smtClean="0">
-                <a:solidFill>
-                  <a:srgbClr val="7030A0"/>
-                </a:solidFill>
-              </a:rPr>
-              <a:t>何等</a:t>
-            </a:r>
-            <a:r>
-              <a:rPr lang="zh-TW" altLang="en-US" sz="4800" b="1" dirty="0">
-                <a:solidFill>
-                  <a:srgbClr val="7030A0"/>
-                </a:solidFill>
-              </a:rPr>
-              <a:t>全備救</a:t>
-            </a:r>
-            <a:r>
-              <a:rPr lang="zh-TW" altLang="en-US" sz="4800" b="1" dirty="0" smtClean="0">
-                <a:solidFill>
-                  <a:srgbClr val="7030A0"/>
-                </a:solidFill>
-              </a:rPr>
-              <a:t>恩</a:t>
-            </a:r>
-            <a:endParaRPr lang="en-US" altLang="zh-TW" sz="4800" b="1" dirty="0" smtClean="0">
-              <a:solidFill>
-                <a:srgbClr val="7030A0"/>
-              </a:solidFill>
+              <a:rPr lang="zh-TW" altLang="en-US" sz="5400" b="1" dirty="0" smtClean="0">
+                <a:latin typeface="微軟正黑體" pitchFamily="34" charset="-120"/>
+                <a:ea typeface="微軟正黑體" pitchFamily="34" charset="-120"/>
+              </a:rPr>
+              <a:t>榮耀</a:t>
+            </a:r>
+            <a:r>
+              <a:rPr lang="zh-TW" altLang="en-US" sz="5400" b="1" dirty="0">
+                <a:latin typeface="微軟正黑體" pitchFamily="34" charset="-120"/>
+                <a:ea typeface="微軟正黑體" pitchFamily="34" charset="-120"/>
+              </a:rPr>
+              <a:t>歸</a:t>
+            </a:r>
+            <a:r>
+              <a:rPr lang="zh-TW" altLang="en-US" sz="5400" b="1" dirty="0" smtClean="0">
+                <a:latin typeface="微軟正黑體" pitchFamily="34" charset="-120"/>
+                <a:ea typeface="微軟正黑體" pitchFamily="34" charset="-120"/>
+              </a:rPr>
+              <a:t>主</a:t>
+            </a:r>
+            <a:endParaRPr lang="en-US" altLang="zh-TW" sz="5400" b="1" dirty="0" smtClean="0">
+              <a:latin typeface="微軟正黑體" pitchFamily="34" charset="-120"/>
+              <a:ea typeface="微軟正黑體" pitchFamily="34" charset="-120"/>
             </a:endParaRPr>
           </a:p>
           <a:p>
@@ -3615,85 +3628,29 @@
               <a:buNone/>
             </a:pPr>
             <a:r>
-              <a:rPr lang="zh-TW" altLang="en-US" sz="4800" b="1" dirty="0" smtClean="0">
-                <a:solidFill>
-                  <a:srgbClr val="7030A0"/>
-                </a:solidFill>
-              </a:rPr>
-              <a:t>真神</a:t>
-            </a:r>
-            <a:r>
-              <a:rPr lang="zh-TW" altLang="en-US" sz="4800" b="1" dirty="0">
-                <a:solidFill>
-                  <a:srgbClr val="7030A0"/>
-                </a:solidFill>
-              </a:rPr>
-              <a:t>應許賜給凡信祂的</a:t>
-            </a:r>
-            <a:r>
-              <a:rPr lang="zh-TW" altLang="en-US" sz="4800" b="1" dirty="0" smtClean="0">
-                <a:solidFill>
-                  <a:srgbClr val="7030A0"/>
-                </a:solidFill>
-              </a:rPr>
-              <a:t>人</a:t>
-            </a:r>
-            <a:endParaRPr lang="en-US" altLang="zh-TW" sz="4800" b="1" dirty="0" smtClean="0">
-              <a:solidFill>
-                <a:srgbClr val="7030A0"/>
-              </a:solidFill>
-            </a:endParaRPr>
-          </a:p>
-          <a:p>
-            <a:pPr algn="ctr">
-              <a:buNone/>
-            </a:pPr>
-            <a:r>
-              <a:rPr lang="zh-TW" altLang="en-US" sz="4800" b="1" dirty="0" smtClean="0">
-                <a:solidFill>
-                  <a:srgbClr val="7030A0"/>
-                </a:solidFill>
-              </a:rPr>
-              <a:t> </a:t>
-            </a:r>
-            <a:r>
-              <a:rPr lang="zh-TW" altLang="en-US" sz="4800" b="1" dirty="0">
-                <a:solidFill>
-                  <a:srgbClr val="7030A0"/>
-                </a:solidFill>
-              </a:rPr>
-              <a:t>罪人中之罪魁若真心</a:t>
-            </a:r>
-            <a:r>
-              <a:rPr lang="zh-TW" altLang="en-US" sz="4800" b="1" dirty="0" smtClean="0">
-                <a:solidFill>
-                  <a:srgbClr val="7030A0"/>
-                </a:solidFill>
-              </a:rPr>
-              <a:t>相信</a:t>
-            </a:r>
-            <a:endParaRPr lang="en-US" altLang="zh-TW" sz="4800" b="1" dirty="0" smtClean="0">
-              <a:solidFill>
-                <a:srgbClr val="7030A0"/>
-              </a:solidFill>
-            </a:endParaRPr>
-          </a:p>
-          <a:p>
-            <a:pPr algn="ctr">
-              <a:buNone/>
-            </a:pPr>
-            <a:r>
-              <a:rPr lang="zh-TW" altLang="en-US" sz="4800" b="1" dirty="0" smtClean="0">
-                <a:solidFill>
-                  <a:srgbClr val="7030A0"/>
-                </a:solidFill>
-              </a:rPr>
-              <a:t>一信靠主就必得赦罪之恩</a:t>
-            </a:r>
-            <a:endParaRPr lang="zh-TW" altLang="en-US" sz="4800" b="1" dirty="0">
-              <a:solidFill>
-                <a:srgbClr val="7030A0"/>
-              </a:solidFill>
+              <a:rPr lang="zh-TW" altLang="en-US" sz="5400" b="1" dirty="0" smtClean="0">
+                <a:latin typeface="微軟正黑體" pitchFamily="34" charset="-120"/>
+                <a:ea typeface="微軟正黑體" pitchFamily="34" charset="-120"/>
+              </a:rPr>
+              <a:t>祂</a:t>
+            </a:r>
+            <a:r>
+              <a:rPr lang="zh-TW" altLang="en-US" sz="5400" b="1" dirty="0">
+                <a:latin typeface="微軟正黑體" pitchFamily="34" charset="-120"/>
+                <a:ea typeface="微軟正黑體" pitchFamily="34" charset="-120"/>
+              </a:rPr>
+              <a:t>已成就大事</a:t>
+            </a:r>
+            <a:r>
+              <a:rPr lang="zh-TW" altLang="en-US" sz="5400" b="1" dirty="0" smtClean="0">
+                <a:latin typeface="微軟正黑體" pitchFamily="34" charset="-120"/>
+                <a:ea typeface="微軟正黑體" pitchFamily="34" charset="-120"/>
+              </a:rPr>
+              <a:t>工</a:t>
+            </a:r>
+            <a:endParaRPr lang="zh-TW" altLang="en-US" sz="5400" b="1" dirty="0">
+              <a:latin typeface="微軟正黑體" pitchFamily="34" charset="-120"/>
+              <a:ea typeface="微軟正黑體" pitchFamily="34" charset="-120"/>
             </a:endParaRPr>
           </a:p>
         </p:txBody>
@@ -3735,68 +3692,58 @@
         </p:nvSpPr>
         <p:spPr/>
         <p:txBody>
-          <a:bodyPr/>
-          <a:lstStyle/>
-          <a:p>
-            <a:r>
-              <a:rPr lang="zh-TW" altLang="en-US" b="1" dirty="0">
-                <a:solidFill>
-                  <a:srgbClr val="7030A0"/>
-                </a:solidFill>
-              </a:rPr>
-              <a:t>榮耀歸於真神</a:t>
-            </a:r>
-          </a:p>
-        </p:txBody>
-      </p:sp>
-      <p:sp>
-        <p:nvSpPr>
-          <p:cNvPr id="3" name="內容版面配置區 2"/>
-          <p:cNvSpPr>
-            <a:spLocks noGrp="1"/>
-          </p:cNvSpPr>
-          <p:nvPr>
-            <p:ph idx="1"/>
-          </p:nvPr>
-        </p:nvSpPr>
-        <p:spPr/>
-        <p:txBody>
-          <a:bodyPr anchor="ctr">
+          <a:bodyPr>
             <a:normAutofit/>
           </a:bodyPr>
           <a:lstStyle/>
           <a:p>
+            <a:r>
+              <a:rPr lang="zh-TW" altLang="en-US" b="1" dirty="0">
+                <a:latin typeface="微軟正黑體" pitchFamily="34" charset="-120"/>
+                <a:ea typeface="微軟正黑體" pitchFamily="34" charset="-120"/>
+              </a:rPr>
+              <a:t>榮耀歸於真神</a:t>
+            </a:r>
+          </a:p>
+        </p:txBody>
+      </p:sp>
+      <p:sp>
+        <p:nvSpPr>
+          <p:cNvPr id="3" name="內容版面配置區 2"/>
+          <p:cNvSpPr>
+            <a:spLocks noGrp="1"/>
+          </p:cNvSpPr>
+          <p:nvPr>
+            <p:ph idx="1"/>
+          </p:nvPr>
+        </p:nvSpPr>
+        <p:spPr/>
+        <p:txBody>
+          <a:bodyPr anchor="ctr">
+            <a:noAutofit/>
+          </a:bodyPr>
+          <a:lstStyle/>
+          <a:p>
             <a:pPr algn="ctr">
               <a:buNone/>
             </a:pPr>
             <a:r>
-              <a:rPr lang="zh-TW" altLang="en-US" sz="4400" b="1" dirty="0">
-                <a:solidFill>
-                  <a:srgbClr val="7030A0"/>
-                </a:solidFill>
-              </a:rPr>
-              <a:t>讚美主，讚美主，全地聆聽主</a:t>
-            </a:r>
-            <a:r>
-              <a:rPr lang="zh-TW" altLang="en-US" sz="4400" b="1" dirty="0" smtClean="0">
-                <a:solidFill>
-                  <a:srgbClr val="7030A0"/>
-                </a:solidFill>
-              </a:rPr>
-              <a:t>聲</a:t>
-            </a:r>
-            <a:r>
-              <a:rPr lang="zh-TW" altLang="en-US" sz="4400" b="1" dirty="0">
-                <a:solidFill>
-                  <a:srgbClr val="7030A0"/>
-                </a:solidFill>
-              </a:rPr>
-              <a:t>　　</a:t>
-            </a:r>
-            <a:endParaRPr lang="en-US" altLang="zh-TW" sz="4400" b="1" dirty="0" smtClean="0">
-              <a:solidFill>
-                <a:srgbClr val="7030A0"/>
-              </a:solidFill>
+              <a:rPr lang="zh-TW" altLang="en-US" sz="5400" b="1" dirty="0">
+                <a:latin typeface="微軟正黑體" pitchFamily="34" charset="-120"/>
+                <a:ea typeface="微軟正黑體" pitchFamily="34" charset="-120"/>
+              </a:rPr>
+              <a:t>救主流寶</a:t>
+            </a:r>
+            <a:r>
+              <a:rPr lang="zh-TW" altLang="en-US" sz="5400" b="1" dirty="0" smtClean="0">
+                <a:latin typeface="微軟正黑體" pitchFamily="34" charset="-120"/>
+                <a:ea typeface="微軟正黑體" pitchFamily="34" charset="-120"/>
+              </a:rPr>
+              <a:t>血</a:t>
+            </a:r>
+            <a:endParaRPr lang="en-US" altLang="zh-TW" sz="5400" b="1" dirty="0" smtClean="0">
+              <a:latin typeface="微軟正黑體" pitchFamily="34" charset="-120"/>
+              <a:ea typeface="微軟正黑體" pitchFamily="34" charset="-120"/>
             </a:endParaRPr>
           </a:p>
           <a:p>
@@ -3804,41 +3751,29 @@
               <a:buNone/>
             </a:pPr>
             <a:r>
-              <a:rPr lang="zh-TW" altLang="en-US" sz="4400" b="1" dirty="0" smtClean="0">
-                <a:solidFill>
-                  <a:srgbClr val="7030A0"/>
-                </a:solidFill>
-              </a:rPr>
-              <a:t>讚美</a:t>
-            </a:r>
-            <a:r>
-              <a:rPr lang="zh-TW" altLang="en-US" sz="4400" b="1" dirty="0">
-                <a:solidFill>
-                  <a:srgbClr val="7030A0"/>
-                </a:solidFill>
-              </a:rPr>
-              <a:t>主，讚美主，萬民快樂</a:t>
-            </a:r>
-            <a:r>
-              <a:rPr lang="zh-TW" altLang="en-US" sz="4400" b="1" dirty="0" smtClean="0">
-                <a:solidFill>
-                  <a:srgbClr val="7030A0"/>
-                </a:solidFill>
-              </a:rPr>
-              <a:t>歡欣</a:t>
-            </a:r>
-            <a:r>
-              <a:rPr lang="zh-TW" altLang="en-US" sz="4400" b="1" dirty="0">
-                <a:solidFill>
-                  <a:srgbClr val="7030A0"/>
-                </a:solidFill>
-              </a:rPr>
-              <a:t>　　　</a:t>
-            </a:r>
-            <a:endParaRPr lang="en-US" altLang="zh-TW" sz="4400" b="1" dirty="0" smtClean="0">
-              <a:solidFill>
-                <a:srgbClr val="7030A0"/>
-              </a:solidFill>
+              <a:rPr lang="zh-TW" altLang="en-US" sz="5400" b="1" dirty="0" smtClean="0">
+                <a:latin typeface="微軟正黑體" pitchFamily="34" charset="-120"/>
+                <a:ea typeface="微軟正黑體" pitchFamily="34" charset="-120"/>
+              </a:rPr>
+              <a:t>何等</a:t>
+            </a:r>
+            <a:r>
+              <a:rPr lang="zh-TW" altLang="en-US" sz="5400" b="1" dirty="0">
+                <a:latin typeface="微軟正黑體" pitchFamily="34" charset="-120"/>
+                <a:ea typeface="微軟正黑體" pitchFamily="34" charset="-120"/>
+              </a:rPr>
+              <a:t>全備救</a:t>
+            </a:r>
+            <a:r>
+              <a:rPr lang="zh-TW" altLang="en-US" sz="5400" b="1" dirty="0" smtClean="0">
+                <a:latin typeface="微軟正黑體" pitchFamily="34" charset="-120"/>
+                <a:ea typeface="微軟正黑體" pitchFamily="34" charset="-120"/>
+              </a:rPr>
+              <a:t>恩</a:t>
+            </a:r>
+            <a:endParaRPr lang="en-US" altLang="zh-TW" sz="5400" b="1" dirty="0" smtClean="0">
+              <a:latin typeface="微軟正黑體" pitchFamily="34" charset="-120"/>
+              <a:ea typeface="微軟正黑體" pitchFamily="34" charset="-120"/>
             </a:endParaRPr>
           </a:p>
           <a:p>
@@ -3846,41 +3781,29 @@
               <a:buNone/>
             </a:pPr>
             <a:r>
-              <a:rPr lang="zh-TW" altLang="en-US" sz="4400" b="1" dirty="0" smtClean="0">
-                <a:solidFill>
-                  <a:srgbClr val="7030A0"/>
-                </a:solidFill>
-              </a:rPr>
-              <a:t>請</a:t>
-            </a:r>
-            <a:r>
-              <a:rPr lang="zh-TW" altLang="en-US" sz="4400" b="1" dirty="0">
-                <a:solidFill>
-                  <a:srgbClr val="7030A0"/>
-                </a:solidFill>
-              </a:rPr>
-              <a:t>來藉聖子耶穌來到父</a:t>
-            </a:r>
-            <a:r>
-              <a:rPr lang="zh-TW" altLang="en-US" sz="4400" b="1" dirty="0" smtClean="0">
-                <a:solidFill>
-                  <a:srgbClr val="7030A0"/>
-                </a:solidFill>
-              </a:rPr>
-              <a:t>前</a:t>
-            </a:r>
-            <a:r>
-              <a:rPr lang="zh-TW" altLang="en-US" sz="4400" b="1" dirty="0">
-                <a:solidFill>
-                  <a:srgbClr val="7030A0"/>
-                </a:solidFill>
-              </a:rPr>
-              <a:t>　　</a:t>
-            </a:r>
-            <a:endParaRPr lang="en-US" altLang="zh-TW" sz="4400" b="1" dirty="0" smtClean="0">
-              <a:solidFill>
-                <a:srgbClr val="7030A0"/>
-              </a:solidFill>
+              <a:rPr lang="zh-TW" altLang="en-US" sz="5400" b="1" dirty="0" smtClean="0">
+                <a:latin typeface="微軟正黑體" pitchFamily="34" charset="-120"/>
+                <a:ea typeface="微軟正黑體" pitchFamily="34" charset="-120"/>
+              </a:rPr>
+              <a:t>真神</a:t>
+            </a:r>
+            <a:r>
+              <a:rPr lang="zh-TW" altLang="en-US" sz="5400" b="1" dirty="0">
+                <a:latin typeface="微軟正黑體" pitchFamily="34" charset="-120"/>
+                <a:ea typeface="微軟正黑體" pitchFamily="34" charset="-120"/>
+              </a:rPr>
+              <a:t>應許賜給凡信祂的</a:t>
+            </a:r>
+            <a:r>
+              <a:rPr lang="zh-TW" altLang="en-US" sz="5400" b="1" dirty="0" smtClean="0">
+                <a:latin typeface="微軟正黑體" pitchFamily="34" charset="-120"/>
+                <a:ea typeface="微軟正黑體" pitchFamily="34" charset="-120"/>
+              </a:rPr>
+              <a:t>人</a:t>
+            </a:r>
+            <a:endParaRPr lang="en-US" altLang="zh-TW" sz="5400" b="1" dirty="0" smtClean="0">
+              <a:latin typeface="微軟正黑體" pitchFamily="34" charset="-120"/>
+              <a:ea typeface="微軟正黑體" pitchFamily="34" charset="-120"/>
             </a:endParaRPr>
           </a:p>
           <a:p>
@@ -3888,33 +3811,45 @@
               <a:buNone/>
             </a:pPr>
             <a:r>
-              <a:rPr lang="zh-TW" altLang="en-US" sz="4400" b="1" dirty="0" smtClean="0">
-                <a:solidFill>
-                  <a:srgbClr val="7030A0"/>
-                </a:solidFill>
-              </a:rPr>
-              <a:t>榮耀</a:t>
-            </a:r>
-            <a:r>
-              <a:rPr lang="zh-TW" altLang="en-US" sz="4400" b="1" dirty="0">
-                <a:solidFill>
-                  <a:srgbClr val="7030A0"/>
-                </a:solidFill>
-              </a:rPr>
-              <a:t>歸主，祂已成就大事</a:t>
-            </a:r>
-            <a:r>
-              <a:rPr lang="zh-TW" altLang="en-US" sz="4400" b="1" dirty="0" smtClean="0">
-                <a:solidFill>
-                  <a:srgbClr val="7030A0"/>
-                </a:solidFill>
-              </a:rPr>
-              <a:t>工</a:t>
-            </a:r>
-            <a:endParaRPr lang="zh-TW" altLang="en-US" sz="4400" b="1" dirty="0">
-              <a:solidFill>
-                <a:srgbClr val="7030A0"/>
-              </a:solidFill>
+              <a:rPr lang="zh-TW" altLang="en-US" sz="5400" b="1" dirty="0" smtClean="0">
+                <a:latin typeface="微軟正黑體" pitchFamily="34" charset="-120"/>
+                <a:ea typeface="微軟正黑體" pitchFamily="34" charset="-120"/>
+              </a:rPr>
+              <a:t> </a:t>
+            </a:r>
+            <a:r>
+              <a:rPr lang="zh-TW" altLang="en-US" sz="5400" b="1" dirty="0">
+                <a:latin typeface="微軟正黑體" pitchFamily="34" charset="-120"/>
+                <a:ea typeface="微軟正黑體" pitchFamily="34" charset="-120"/>
+              </a:rPr>
+              <a:t>罪人中之罪魁若真心</a:t>
+            </a:r>
+            <a:r>
+              <a:rPr lang="zh-TW" altLang="en-US" sz="5400" b="1" dirty="0" smtClean="0">
+                <a:latin typeface="微軟正黑體" pitchFamily="34" charset="-120"/>
+                <a:ea typeface="微軟正黑體" pitchFamily="34" charset="-120"/>
+              </a:rPr>
+              <a:t>相信</a:t>
+            </a:r>
+            <a:endParaRPr lang="en-US" altLang="zh-TW" sz="5400" b="1" dirty="0" smtClean="0">
+              <a:latin typeface="微軟正黑體" pitchFamily="34" charset="-120"/>
+              <a:ea typeface="微軟正黑體" pitchFamily="34" charset="-120"/>
+            </a:endParaRPr>
+          </a:p>
+          <a:p>
+            <a:pPr algn="ctr">
+              <a:buNone/>
+            </a:pPr>
+            <a:r>
+              <a:rPr lang="zh-TW" altLang="en-US" sz="5400" b="1" dirty="0" smtClean="0">
+                <a:latin typeface="微軟正黑體" pitchFamily="34" charset="-120"/>
+                <a:ea typeface="微軟正黑體" pitchFamily="34" charset="-120"/>
+              </a:rPr>
+              <a:t>一信靠主就必得赦罪之恩</a:t>
+            </a:r>
+            <a:endParaRPr lang="zh-TW" altLang="en-US" sz="5400" b="1" dirty="0">
+              <a:latin typeface="微軟正黑體" pitchFamily="34" charset="-120"/>
+              <a:ea typeface="微軟正黑體" pitchFamily="34" charset="-120"/>
             </a:endParaRPr>
           </a:p>
         </p:txBody>
@@ -3956,60 +3891,63 @@
         </p:nvSpPr>
         <p:spPr/>
         <p:txBody>
-          <a:bodyPr/>
-          <a:lstStyle/>
-          <a:p>
-            <a:r>
-              <a:rPr lang="zh-TW" altLang="en-US" b="1" dirty="0">
-                <a:solidFill>
-                  <a:srgbClr val="7030A0"/>
-                </a:solidFill>
-              </a:rPr>
-              <a:t>榮耀歸於真神</a:t>
-            </a:r>
-          </a:p>
-        </p:txBody>
-      </p:sp>
-      <p:sp>
-        <p:nvSpPr>
-          <p:cNvPr id="3" name="內容版面配置區 2"/>
-          <p:cNvSpPr>
-            <a:spLocks noGrp="1"/>
-          </p:cNvSpPr>
-          <p:nvPr>
-            <p:ph idx="1"/>
-          </p:nvPr>
-        </p:nvSpPr>
-        <p:spPr/>
-        <p:txBody>
-          <a:bodyPr anchor="ctr">
+          <a:bodyPr>
             <a:normAutofit/>
           </a:bodyPr>
           <a:lstStyle/>
           <a:p>
+            <a:r>
+              <a:rPr lang="zh-TW" altLang="en-US" b="1" dirty="0">
+                <a:latin typeface="微軟正黑體" pitchFamily="34" charset="-120"/>
+                <a:ea typeface="微軟正黑體" pitchFamily="34" charset="-120"/>
+              </a:rPr>
+              <a:t>榮耀歸於真神</a:t>
+            </a:r>
+          </a:p>
+        </p:txBody>
+      </p:sp>
+      <p:sp>
+        <p:nvSpPr>
+          <p:cNvPr id="3" name="內容版面配置區 2"/>
+          <p:cNvSpPr>
+            <a:spLocks noGrp="1"/>
+          </p:cNvSpPr>
+          <p:nvPr>
+            <p:ph idx="1"/>
+          </p:nvPr>
+        </p:nvSpPr>
+        <p:spPr>
+          <a:xfrm>
+            <a:off x="0" y="1600200"/>
+            <a:ext cx="9144000" cy="4525963"/>
+          </a:xfrm>
+        </p:spPr>
+        <p:txBody>
+          <a:bodyPr anchor="t">
+            <a:noAutofit/>
+          </a:bodyPr>
+          <a:lstStyle/>
+          <a:p>
             <a:pPr algn="ctr">
               <a:buNone/>
             </a:pPr>
             <a:r>
-              <a:rPr lang="zh-TW" altLang="en-US" sz="4800" b="1" dirty="0">
-                <a:solidFill>
-                  <a:srgbClr val="7030A0"/>
-                </a:solidFill>
-              </a:rPr>
-              <a:t>父神啟示</a:t>
-            </a:r>
-            <a:r>
-              <a:rPr lang="zh-TW" altLang="en-US" sz="4800" b="1" dirty="0" smtClean="0">
-                <a:solidFill>
-                  <a:srgbClr val="7030A0"/>
-                </a:solidFill>
-              </a:rPr>
-              <a:t>真理</a:t>
-            </a:r>
-            <a:endParaRPr lang="en-US" altLang="zh-TW" sz="4800" b="1" dirty="0" smtClean="0">
-              <a:solidFill>
-                <a:srgbClr val="7030A0"/>
-              </a:solidFill>
+              <a:rPr lang="zh-TW" altLang="en-US" sz="5400" b="1" dirty="0">
+                <a:latin typeface="微軟正黑體" pitchFamily="34" charset="-120"/>
+                <a:ea typeface="微軟正黑體" pitchFamily="34" charset="-120"/>
+              </a:rPr>
+              <a:t>讚美</a:t>
+            </a:r>
+            <a:r>
+              <a:rPr lang="zh-TW" altLang="en-US" sz="5400" b="1" dirty="0" smtClean="0">
+                <a:latin typeface="微軟正黑體" pitchFamily="34" charset="-120"/>
+                <a:ea typeface="微軟正黑體" pitchFamily="34" charset="-120"/>
+              </a:rPr>
+              <a:t>主   讚美主</a:t>
+            </a:r>
+            <a:endParaRPr lang="en-US" altLang="zh-TW" sz="5400" b="1" dirty="0" smtClean="0">
+              <a:latin typeface="微軟正黑體" pitchFamily="34" charset="-120"/>
+              <a:ea typeface="微軟正黑體" pitchFamily="34" charset="-120"/>
             </a:endParaRPr>
           </a:p>
           <a:p>
@@ -4017,33 +3955,36 @@
               <a:buNone/>
             </a:pPr>
             <a:r>
-              <a:rPr lang="zh-TW" altLang="en-US" sz="4800" b="1" dirty="0" smtClean="0">
-                <a:solidFill>
-                  <a:srgbClr val="7030A0"/>
-                </a:solidFill>
-              </a:rPr>
-              <a:t>祂</a:t>
-            </a:r>
-            <a:r>
-              <a:rPr lang="zh-TW" altLang="en-US" sz="4800" b="1" dirty="0">
-                <a:solidFill>
-                  <a:srgbClr val="7030A0"/>
-                </a:solidFill>
-              </a:rPr>
-              <a:t>成就</a:t>
-            </a:r>
-            <a:r>
-              <a:rPr lang="zh-TW" altLang="en-US" sz="4800" b="1" dirty="0" smtClean="0">
-                <a:solidFill>
-                  <a:srgbClr val="7030A0"/>
-                </a:solidFill>
-              </a:rPr>
-              <a:t>大事</a:t>
-            </a:r>
-            <a:endParaRPr lang="en-US" altLang="zh-TW" sz="4800" b="1" dirty="0" smtClean="0">
-              <a:solidFill>
-                <a:srgbClr val="7030A0"/>
-              </a:solidFill>
+              <a:rPr lang="zh-TW" altLang="en-US" sz="5400" b="1" dirty="0" smtClean="0">
+                <a:latin typeface="微軟正黑體" pitchFamily="34" charset="-120"/>
+                <a:ea typeface="微軟正黑體" pitchFamily="34" charset="-120"/>
+              </a:rPr>
+              <a:t>全</a:t>
+            </a:r>
+            <a:r>
+              <a:rPr lang="zh-TW" altLang="en-US" sz="5400" b="1" dirty="0">
+                <a:latin typeface="微軟正黑體" pitchFamily="34" charset="-120"/>
+                <a:ea typeface="微軟正黑體" pitchFamily="34" charset="-120"/>
+              </a:rPr>
+              <a:t>地聆聽主</a:t>
+            </a:r>
+            <a:r>
+              <a:rPr lang="zh-TW" altLang="en-US" sz="5400" b="1" dirty="0" smtClean="0">
+                <a:latin typeface="微軟正黑體" pitchFamily="34" charset="-120"/>
+                <a:ea typeface="微軟正黑體" pitchFamily="34" charset="-120"/>
+              </a:rPr>
+              <a:t>聲</a:t>
+            </a:r>
+            <a:r>
+              <a:rPr lang="zh-TW" altLang="en-US" sz="5400" b="1" dirty="0">
+                <a:latin typeface="微軟正黑體" pitchFamily="34" charset="-120"/>
+                <a:ea typeface="微軟正黑體" pitchFamily="34" charset="-120"/>
+              </a:rPr>
+              <a:t>　　</a:t>
+            </a:r>
+            <a:endParaRPr lang="en-US" altLang="zh-TW" sz="5400" b="1" dirty="0" smtClean="0">
+              <a:latin typeface="微軟正黑體" pitchFamily="34" charset="-120"/>
+              <a:ea typeface="微軟正黑體" pitchFamily="34" charset="-120"/>
             </a:endParaRPr>
           </a:p>
           <a:p>
@@ -4051,33 +3992,22 @@
               <a:buNone/>
             </a:pPr>
             <a:r>
-              <a:rPr lang="zh-TW" altLang="en-US" sz="4800" b="1" dirty="0" smtClean="0">
-                <a:solidFill>
-                  <a:srgbClr val="7030A0"/>
-                </a:solidFill>
-              </a:rPr>
-              <a:t>藉</a:t>
-            </a:r>
-            <a:r>
-              <a:rPr lang="zh-TW" altLang="en-US" sz="4800" b="1" dirty="0">
-                <a:solidFill>
-                  <a:srgbClr val="7030A0"/>
-                </a:solidFill>
-              </a:rPr>
-              <a:t>聖子耶穌我們歡欣</a:t>
-            </a:r>
-            <a:r>
-              <a:rPr lang="zh-TW" altLang="en-US" sz="4800" b="1" dirty="0" smtClean="0">
-                <a:solidFill>
-                  <a:srgbClr val="7030A0"/>
-                </a:solidFill>
-              </a:rPr>
-              <a:t>無比</a:t>
-            </a:r>
-            <a:endParaRPr lang="en-US" altLang="zh-TW" sz="4800" b="1" dirty="0" smtClean="0">
-              <a:solidFill>
-                <a:srgbClr val="7030A0"/>
-              </a:solidFill>
+              <a:rPr lang="zh-TW" altLang="en-US" sz="5400" b="1" dirty="0" smtClean="0">
+                <a:latin typeface="微軟正黑體" pitchFamily="34" charset="-120"/>
+                <a:ea typeface="微軟正黑體" pitchFamily="34" charset="-120"/>
+              </a:rPr>
+              <a:t>讚美</a:t>
+            </a:r>
+            <a:r>
+              <a:rPr lang="zh-TW" altLang="en-US" sz="5400" b="1" dirty="0" smtClean="0">
+                <a:latin typeface="微軟正黑體" pitchFamily="34" charset="-120"/>
+                <a:ea typeface="微軟正黑體" pitchFamily="34" charset="-120"/>
+              </a:rPr>
+              <a:t>主   讚美主</a:t>
+            </a:r>
+            <a:endParaRPr lang="en-US" altLang="zh-TW" sz="5400" b="1" dirty="0" smtClean="0">
+              <a:latin typeface="微軟正黑體" pitchFamily="34" charset="-120"/>
+              <a:ea typeface="微軟正黑體" pitchFamily="34" charset="-120"/>
             </a:endParaRPr>
           </a:p>
           <a:p>
@@ -4085,67 +4015,29 @@
               <a:buNone/>
             </a:pPr>
             <a:r>
-              <a:rPr lang="zh-TW" altLang="en-US" sz="4800" b="1" dirty="0" smtClean="0">
-                <a:solidFill>
-                  <a:srgbClr val="7030A0"/>
-                </a:solidFill>
-              </a:rPr>
-              <a:t> </a:t>
-            </a:r>
-            <a:r>
-              <a:rPr lang="zh-TW" altLang="en-US" sz="4800" b="1" dirty="0">
-                <a:solidFill>
-                  <a:srgbClr val="7030A0"/>
-                </a:solidFill>
-              </a:rPr>
-              <a:t>將來見主面我們必更</a:t>
-            </a:r>
-            <a:r>
-              <a:rPr lang="zh-TW" altLang="en-US" sz="4800" b="1" dirty="0" smtClean="0">
-                <a:solidFill>
-                  <a:srgbClr val="7030A0"/>
-                </a:solidFill>
-              </a:rPr>
-              <a:t>驚訝</a:t>
-            </a:r>
-            <a:endParaRPr lang="en-US" altLang="zh-TW" sz="4800" b="1" dirty="0" smtClean="0">
-              <a:solidFill>
-                <a:srgbClr val="7030A0"/>
-              </a:solidFill>
-            </a:endParaRPr>
-          </a:p>
-          <a:p>
-            <a:pPr algn="ctr">
-              <a:buNone/>
-            </a:pPr>
-            <a:r>
-              <a:rPr lang="zh-TW" altLang="en-US" sz="4800" b="1" dirty="0" smtClean="0">
-                <a:solidFill>
-                  <a:srgbClr val="7030A0"/>
-                </a:solidFill>
-              </a:rPr>
-              <a:t>何等</a:t>
-            </a:r>
-            <a:r>
-              <a:rPr lang="zh-TW" altLang="en-US" sz="4800" b="1" dirty="0">
-                <a:solidFill>
-                  <a:srgbClr val="7030A0"/>
-                </a:solidFill>
-              </a:rPr>
-              <a:t>奇妙改變，更純潔</a:t>
-            </a:r>
-            <a:r>
-              <a:rPr lang="zh-TW" altLang="en-US" sz="4800" b="1" dirty="0" smtClean="0">
-                <a:solidFill>
-                  <a:srgbClr val="7030A0"/>
-                </a:solidFill>
-              </a:rPr>
-              <a:t>無瑕</a:t>
-            </a:r>
-            <a:endParaRPr lang="zh-TW" altLang="en-US" sz="4800" b="1" dirty="0">
-              <a:solidFill>
-                <a:srgbClr val="7030A0"/>
-              </a:solidFill>
+              <a:rPr lang="zh-TW" altLang="en-US" sz="5400" b="1" dirty="0" smtClean="0">
+                <a:latin typeface="微軟正黑體" pitchFamily="34" charset="-120"/>
+                <a:ea typeface="微軟正黑體" pitchFamily="34" charset="-120"/>
+              </a:rPr>
+              <a:t>萬</a:t>
+            </a:r>
+            <a:r>
+              <a:rPr lang="zh-TW" altLang="en-US" sz="5400" b="1" dirty="0">
+                <a:latin typeface="微軟正黑體" pitchFamily="34" charset="-120"/>
+                <a:ea typeface="微軟正黑體" pitchFamily="34" charset="-120"/>
+              </a:rPr>
+              <a:t>民快樂</a:t>
+            </a:r>
+            <a:r>
+              <a:rPr lang="zh-TW" altLang="en-US" sz="5400" b="1" dirty="0" smtClean="0">
+                <a:latin typeface="微軟正黑體" pitchFamily="34" charset="-120"/>
+                <a:ea typeface="微軟正黑體" pitchFamily="34" charset="-120"/>
+              </a:rPr>
+              <a:t>歡欣</a:t>
+            </a:r>
+            <a:endParaRPr lang="en-US" altLang="zh-TW" sz="5400" b="1" dirty="0" smtClean="0">
+              <a:latin typeface="微軟正黑體" pitchFamily="34" charset="-120"/>
+              <a:ea typeface="微軟正黑體" pitchFamily="34" charset="-120"/>
             </a:endParaRPr>
           </a:p>
         </p:txBody>
@@ -4187,68 +4079,504 @@
         </p:nvSpPr>
         <p:spPr/>
         <p:txBody>
-          <a:bodyPr/>
-          <a:lstStyle/>
-          <a:p>
-            <a:r>
-              <a:rPr lang="zh-TW" altLang="en-US" b="1" dirty="0">
-                <a:solidFill>
-                  <a:srgbClr val="7030A0"/>
-                </a:solidFill>
-              </a:rPr>
-              <a:t>榮耀歸於真神</a:t>
-            </a:r>
-          </a:p>
-        </p:txBody>
-      </p:sp>
-      <p:sp>
-        <p:nvSpPr>
-          <p:cNvPr id="3" name="內容版面配置區 2"/>
-          <p:cNvSpPr>
-            <a:spLocks noGrp="1"/>
-          </p:cNvSpPr>
-          <p:nvPr>
-            <p:ph idx="1"/>
-          </p:nvPr>
-        </p:nvSpPr>
-        <p:spPr/>
-        <p:txBody>
-          <a:bodyPr anchor="ctr">
+          <a:bodyPr>
             <a:normAutofit/>
           </a:bodyPr>
           <a:lstStyle/>
           <a:p>
+            <a:r>
+              <a:rPr lang="zh-TW" altLang="en-US" b="1" dirty="0">
+                <a:latin typeface="微軟正黑體" pitchFamily="34" charset="-120"/>
+                <a:ea typeface="微軟正黑體" pitchFamily="34" charset="-120"/>
+              </a:rPr>
+              <a:t>榮耀歸於真神</a:t>
+            </a:r>
+          </a:p>
+        </p:txBody>
+      </p:sp>
+      <p:sp>
+        <p:nvSpPr>
+          <p:cNvPr id="3" name="內容版面配置區 2"/>
+          <p:cNvSpPr>
+            <a:spLocks noGrp="1"/>
+          </p:cNvSpPr>
+          <p:nvPr>
+            <p:ph idx="1"/>
+          </p:nvPr>
+        </p:nvSpPr>
+        <p:spPr>
+          <a:xfrm>
+            <a:off x="0" y="1600200"/>
+            <a:ext cx="9144000" cy="4525963"/>
+          </a:xfrm>
+        </p:spPr>
+        <p:txBody>
+          <a:bodyPr anchor="t">
+            <a:noAutofit/>
+          </a:bodyPr>
+          <a:lstStyle/>
+          <a:p>
             <a:pPr algn="ctr">
               <a:buNone/>
             </a:pPr>
             <a:r>
-              <a:rPr lang="zh-TW" altLang="en-US" sz="4400" b="1" dirty="0">
-                <a:solidFill>
-                  <a:srgbClr val="7030A0"/>
-                </a:solidFill>
-              </a:rPr>
-              <a:t>讚美主，讚美主，全地聆聽主</a:t>
-            </a:r>
-            <a:r>
-              <a:rPr lang="zh-TW" altLang="en-US" sz="4400" b="1" dirty="0" smtClean="0">
-                <a:solidFill>
-                  <a:srgbClr val="7030A0"/>
-                </a:solidFill>
+              <a:rPr lang="zh-TW" altLang="en-US" sz="5400" b="1" dirty="0" smtClean="0">
+                <a:latin typeface="微軟正黑體" pitchFamily="34" charset="-120"/>
+                <a:ea typeface="微軟正黑體" pitchFamily="34" charset="-120"/>
+              </a:rPr>
+              <a:t>請</a:t>
+            </a:r>
+            <a:r>
+              <a:rPr lang="zh-TW" altLang="en-US" sz="5400" b="1" dirty="0">
+                <a:latin typeface="微軟正黑體" pitchFamily="34" charset="-120"/>
+                <a:ea typeface="微軟正黑體" pitchFamily="34" charset="-120"/>
+              </a:rPr>
+              <a:t>來藉聖子耶穌來到父</a:t>
+            </a:r>
+            <a:r>
+              <a:rPr lang="zh-TW" altLang="en-US" sz="5400" b="1" dirty="0" smtClean="0">
+                <a:latin typeface="微軟正黑體" pitchFamily="34" charset="-120"/>
+                <a:ea typeface="微軟正黑體" pitchFamily="34" charset="-120"/>
+              </a:rPr>
+              <a:t>前</a:t>
+            </a:r>
+            <a:r>
+              <a:rPr lang="zh-TW" altLang="en-US" sz="5400" b="1" dirty="0">
+                <a:latin typeface="微軟正黑體" pitchFamily="34" charset="-120"/>
+                <a:ea typeface="微軟正黑體" pitchFamily="34" charset="-120"/>
+              </a:rPr>
+              <a:t>　　</a:t>
+            </a:r>
+            <a:endParaRPr lang="en-US" altLang="zh-TW" sz="5400" b="1" dirty="0" smtClean="0">
+              <a:latin typeface="微軟正黑體" pitchFamily="34" charset="-120"/>
+              <a:ea typeface="微軟正黑體" pitchFamily="34" charset="-120"/>
+            </a:endParaRPr>
+          </a:p>
+          <a:p>
+            <a:pPr algn="ctr">
+              <a:buNone/>
+            </a:pPr>
+            <a:r>
+              <a:rPr lang="zh-TW" altLang="en-US" sz="5400" b="1" dirty="0" smtClean="0">
+                <a:latin typeface="微軟正黑體" pitchFamily="34" charset="-120"/>
+                <a:ea typeface="微軟正黑體" pitchFamily="34" charset="-120"/>
+              </a:rPr>
+              <a:t>榮耀</a:t>
+            </a:r>
+            <a:r>
+              <a:rPr lang="zh-TW" altLang="en-US" sz="5400" b="1" dirty="0">
+                <a:latin typeface="微軟正黑體" pitchFamily="34" charset="-120"/>
+                <a:ea typeface="微軟正黑體" pitchFamily="34" charset="-120"/>
+              </a:rPr>
+              <a:t>歸</a:t>
+            </a:r>
+            <a:r>
+              <a:rPr lang="zh-TW" altLang="en-US" sz="5400" b="1" dirty="0" smtClean="0">
+                <a:latin typeface="微軟正黑體" pitchFamily="34" charset="-120"/>
+                <a:ea typeface="微軟正黑體" pitchFamily="34" charset="-120"/>
+              </a:rPr>
+              <a:t>主</a:t>
+            </a:r>
+            <a:endParaRPr lang="en-US" altLang="zh-TW" sz="5400" b="1" dirty="0" smtClean="0">
+              <a:latin typeface="微軟正黑體" pitchFamily="34" charset="-120"/>
+              <a:ea typeface="微軟正黑體" pitchFamily="34" charset="-120"/>
+            </a:endParaRPr>
+          </a:p>
+          <a:p>
+            <a:pPr algn="ctr">
+              <a:buNone/>
+            </a:pPr>
+            <a:r>
+              <a:rPr lang="zh-TW" altLang="en-US" sz="5400" b="1" dirty="0" smtClean="0">
+                <a:latin typeface="微軟正黑體" pitchFamily="34" charset="-120"/>
+                <a:ea typeface="微軟正黑體" pitchFamily="34" charset="-120"/>
+              </a:rPr>
+              <a:t>祂</a:t>
+            </a:r>
+            <a:r>
+              <a:rPr lang="zh-TW" altLang="en-US" sz="5400" b="1" dirty="0">
+                <a:latin typeface="微軟正黑體" pitchFamily="34" charset="-120"/>
+                <a:ea typeface="微軟正黑體" pitchFamily="34" charset="-120"/>
+              </a:rPr>
+              <a:t>已成就大事</a:t>
+            </a:r>
+            <a:r>
+              <a:rPr lang="zh-TW" altLang="en-US" sz="5400" b="1" dirty="0" smtClean="0">
+                <a:latin typeface="微軟正黑體" pitchFamily="34" charset="-120"/>
+                <a:ea typeface="微軟正黑體" pitchFamily="34" charset="-120"/>
+              </a:rPr>
+              <a:t>工</a:t>
+            </a:r>
+            <a:endParaRPr lang="zh-TW" altLang="en-US" sz="5400" b="1" dirty="0">
+              <a:latin typeface="微軟正黑體" pitchFamily="34" charset="-120"/>
+              <a:ea typeface="微軟正黑體" pitchFamily="34" charset="-120"/>
+            </a:endParaRPr>
+          </a:p>
+        </p:txBody>
+      </p:sp>
+    </p:spTree>
+  </p:cSld>
+  <p:clrMapOvr>
+    <a:masterClrMapping/>
+  </p:clrMapOvr>
+</p:sld>
+</file>
+
+<file path=ppt/slides/slide7.xml><?xml version="1.0" encoding="utf-8"?>
+<p:sld xmlns:a="http://schemas.openxmlformats.org/drawingml/2006/main" xmlns:r="http://schemas.openxmlformats.org/officeDocument/2006/relationships" xmlns:p="http://schemas.openxmlformats.org/presentationml/2006/main">
+  <p:cSld>
+    <p:spTree>
+      <p:nvGrpSpPr>
+        <p:cNvPr id="1" name=""/>
+        <p:cNvGrpSpPr/>
+        <p:nvPr/>
+      </p:nvGrpSpPr>
+      <p:grpSpPr>
+        <a:xfrm>
+          <a:off x="0" y="0"/>
+          <a:ext cx="0" cy="0"/>
+          <a:chOff x="0" y="0"/>
+          <a:chExt cx="0" cy="0"/>
+        </a:xfrm>
+      </p:grpSpPr>
+      <p:sp>
+        <p:nvSpPr>
+          <p:cNvPr id="2" name="標題 1"/>
+          <p:cNvSpPr>
+            <a:spLocks noGrp="1"/>
+          </p:cNvSpPr>
+          <p:nvPr>
+            <p:ph type="title"/>
+          </p:nvPr>
+        </p:nvSpPr>
+        <p:spPr/>
+        <p:txBody>
+          <a:bodyPr>
+            <a:normAutofit/>
+          </a:bodyPr>
+          <a:lstStyle/>
+          <a:p>
+            <a:r>
+              <a:rPr lang="zh-TW" altLang="en-US" b="1" dirty="0">
+                <a:latin typeface="微軟正黑體" pitchFamily="34" charset="-120"/>
+                <a:ea typeface="微軟正黑體" pitchFamily="34" charset="-120"/>
+              </a:rPr>
+              <a:t>榮耀歸於真神</a:t>
+            </a:r>
+          </a:p>
+        </p:txBody>
+      </p:sp>
+      <p:sp>
+        <p:nvSpPr>
+          <p:cNvPr id="3" name="內容版面配置區 2"/>
+          <p:cNvSpPr>
+            <a:spLocks noGrp="1"/>
+          </p:cNvSpPr>
+          <p:nvPr>
+            <p:ph idx="1"/>
+          </p:nvPr>
+        </p:nvSpPr>
+        <p:spPr>
+          <a:xfrm>
+            <a:off x="0" y="1600200"/>
+            <a:ext cx="9144000" cy="4525963"/>
+          </a:xfrm>
+        </p:spPr>
+        <p:txBody>
+          <a:bodyPr anchor="ctr">
+            <a:noAutofit/>
+          </a:bodyPr>
+          <a:lstStyle/>
+          <a:p>
+            <a:pPr algn="ctr">
+              <a:buNone/>
+            </a:pPr>
+            <a:r>
+              <a:rPr lang="zh-TW" altLang="en-US" sz="5400" b="1" dirty="0">
+                <a:latin typeface="微軟正黑體" pitchFamily="34" charset="-120"/>
+                <a:ea typeface="微軟正黑體" pitchFamily="34" charset="-120"/>
+              </a:rPr>
+              <a:t>父神啟示</a:t>
+            </a:r>
+            <a:r>
+              <a:rPr lang="zh-TW" altLang="en-US" sz="5400" b="1" dirty="0" smtClean="0">
+                <a:latin typeface="微軟正黑體" pitchFamily="34" charset="-120"/>
+                <a:ea typeface="微軟正黑體" pitchFamily="34" charset="-120"/>
+              </a:rPr>
+              <a:t>真理</a:t>
+            </a:r>
+            <a:endParaRPr lang="en-US" altLang="zh-TW" sz="5400" b="1" dirty="0" smtClean="0">
+              <a:latin typeface="微軟正黑體" pitchFamily="34" charset="-120"/>
+              <a:ea typeface="微軟正黑體" pitchFamily="34" charset="-120"/>
+            </a:endParaRPr>
+          </a:p>
+          <a:p>
+            <a:pPr algn="ctr">
+              <a:buNone/>
+            </a:pPr>
+            <a:r>
+              <a:rPr lang="zh-TW" altLang="en-US" sz="5400" b="1" dirty="0" smtClean="0">
+                <a:latin typeface="微軟正黑體" pitchFamily="34" charset="-120"/>
+                <a:ea typeface="微軟正黑體" pitchFamily="34" charset="-120"/>
+              </a:rPr>
+              <a:t>祂</a:t>
+            </a:r>
+            <a:r>
+              <a:rPr lang="zh-TW" altLang="en-US" sz="5400" b="1" dirty="0">
+                <a:latin typeface="微軟正黑體" pitchFamily="34" charset="-120"/>
+                <a:ea typeface="微軟正黑體" pitchFamily="34" charset="-120"/>
+              </a:rPr>
+              <a:t>成就</a:t>
+            </a:r>
+            <a:r>
+              <a:rPr lang="zh-TW" altLang="en-US" sz="5400" b="1" dirty="0" smtClean="0">
+                <a:latin typeface="微軟正黑體" pitchFamily="34" charset="-120"/>
+                <a:ea typeface="微軟正黑體" pitchFamily="34" charset="-120"/>
+              </a:rPr>
+              <a:t>大事</a:t>
+            </a:r>
+            <a:endParaRPr lang="en-US" altLang="zh-TW" sz="5400" b="1" dirty="0" smtClean="0">
+              <a:latin typeface="微軟正黑體" pitchFamily="34" charset="-120"/>
+              <a:ea typeface="微軟正黑體" pitchFamily="34" charset="-120"/>
+            </a:endParaRPr>
+          </a:p>
+          <a:p>
+            <a:pPr algn="ctr">
+              <a:buNone/>
+            </a:pPr>
+            <a:r>
+              <a:rPr lang="zh-TW" altLang="en-US" sz="5400" b="1" dirty="0" smtClean="0">
+                <a:latin typeface="微軟正黑體" pitchFamily="34" charset="-120"/>
+                <a:ea typeface="微軟正黑體" pitchFamily="34" charset="-120"/>
+              </a:rPr>
+              <a:t>藉</a:t>
+            </a:r>
+            <a:r>
+              <a:rPr lang="zh-TW" altLang="en-US" sz="5400" b="1" dirty="0">
+                <a:latin typeface="微軟正黑體" pitchFamily="34" charset="-120"/>
+                <a:ea typeface="微軟正黑體" pitchFamily="34" charset="-120"/>
+              </a:rPr>
+              <a:t>聖子耶穌我們歡欣</a:t>
+            </a:r>
+            <a:r>
+              <a:rPr lang="zh-TW" altLang="en-US" sz="5400" b="1" dirty="0" smtClean="0">
+                <a:latin typeface="微軟正黑體" pitchFamily="34" charset="-120"/>
+                <a:ea typeface="微軟正黑體" pitchFamily="34" charset="-120"/>
+              </a:rPr>
+              <a:t>無比</a:t>
+            </a:r>
+            <a:endParaRPr lang="en-US" altLang="zh-TW" sz="5400" b="1" dirty="0" smtClean="0">
+              <a:latin typeface="微軟正黑體" pitchFamily="34" charset="-120"/>
+              <a:ea typeface="微軟正黑體" pitchFamily="34" charset="-120"/>
+            </a:endParaRPr>
+          </a:p>
+          <a:p>
+            <a:pPr algn="ctr">
+              <a:buNone/>
+            </a:pPr>
+            <a:r>
+              <a:rPr lang="zh-TW" altLang="en-US" sz="5400" b="1" dirty="0" smtClean="0">
+                <a:latin typeface="微軟正黑體" pitchFamily="34" charset="-120"/>
+                <a:ea typeface="微軟正黑體" pitchFamily="34" charset="-120"/>
+              </a:rPr>
+              <a:t> </a:t>
+            </a:r>
+            <a:r>
+              <a:rPr lang="zh-TW" altLang="en-US" sz="5400" b="1" dirty="0">
+                <a:latin typeface="微軟正黑體" pitchFamily="34" charset="-120"/>
+                <a:ea typeface="微軟正黑體" pitchFamily="34" charset="-120"/>
+              </a:rPr>
+              <a:t>將來見主面我們必更</a:t>
+            </a:r>
+            <a:r>
+              <a:rPr lang="zh-TW" altLang="en-US" sz="5400" b="1" dirty="0" smtClean="0">
+                <a:latin typeface="微軟正黑體" pitchFamily="34" charset="-120"/>
+                <a:ea typeface="微軟正黑體" pitchFamily="34" charset="-120"/>
+              </a:rPr>
+              <a:t>驚訝</a:t>
+            </a:r>
+            <a:endParaRPr lang="en-US" altLang="zh-TW" sz="5400" b="1" dirty="0" smtClean="0">
+              <a:latin typeface="微軟正黑體" pitchFamily="34" charset="-120"/>
+              <a:ea typeface="微軟正黑體" pitchFamily="34" charset="-120"/>
+            </a:endParaRPr>
+          </a:p>
+          <a:p>
+            <a:pPr algn="ctr">
+              <a:buNone/>
+            </a:pPr>
+            <a:r>
+              <a:rPr lang="zh-TW" altLang="en-US" sz="5400" b="1" dirty="0" smtClean="0">
+                <a:latin typeface="微軟正黑體" pitchFamily="34" charset="-120"/>
+                <a:ea typeface="微軟正黑體" pitchFamily="34" charset="-120"/>
+              </a:rPr>
+              <a:t>何等</a:t>
+            </a:r>
+            <a:r>
+              <a:rPr lang="zh-TW" altLang="en-US" sz="5400" b="1" dirty="0">
+                <a:latin typeface="微軟正黑體" pitchFamily="34" charset="-120"/>
+                <a:ea typeface="微軟正黑體" pitchFamily="34" charset="-120"/>
+              </a:rPr>
+              <a:t>奇妙</a:t>
+            </a:r>
+            <a:r>
+              <a:rPr lang="zh-TW" altLang="en-US" sz="5400" b="1" dirty="0" smtClean="0">
+                <a:latin typeface="微軟正黑體" pitchFamily="34" charset="-120"/>
+                <a:ea typeface="微軟正黑體" pitchFamily="34" charset="-120"/>
+              </a:rPr>
+              <a:t>改變   更</a:t>
+            </a:r>
+            <a:r>
+              <a:rPr lang="zh-TW" altLang="en-US" sz="5400" b="1" dirty="0">
+                <a:latin typeface="微軟正黑體" pitchFamily="34" charset="-120"/>
+                <a:ea typeface="微軟正黑體" pitchFamily="34" charset="-120"/>
+              </a:rPr>
+              <a:t>純潔</a:t>
+            </a:r>
+            <a:r>
+              <a:rPr lang="zh-TW" altLang="en-US" sz="5400" b="1" dirty="0" smtClean="0">
+                <a:latin typeface="微軟正黑體" pitchFamily="34" charset="-120"/>
+                <a:ea typeface="微軟正黑體" pitchFamily="34" charset="-120"/>
+              </a:rPr>
+              <a:t>無瑕</a:t>
+            </a:r>
+            <a:endParaRPr lang="zh-TW" altLang="en-US" sz="5400" b="1" dirty="0">
+              <a:latin typeface="微軟正黑體" pitchFamily="34" charset="-120"/>
+              <a:ea typeface="微軟正黑體" pitchFamily="34" charset="-120"/>
+            </a:endParaRPr>
+          </a:p>
+        </p:txBody>
+      </p:sp>
+    </p:spTree>
+  </p:cSld>
+  <p:clrMapOvr>
+    <a:masterClrMapping/>
+  </p:clrMapOvr>
+</p:sld>
+</file>
+
+<file path=ppt/slides/slide8.xml><?xml version="1.0" encoding="utf-8"?>
+<p:sld xmlns:a="http://schemas.openxmlformats.org/drawingml/2006/main" xmlns:r="http://schemas.openxmlformats.org/officeDocument/2006/relationships" xmlns:p="http://schemas.openxmlformats.org/presentationml/2006/main">
+  <p:cSld>
+    <p:spTree>
+      <p:nvGrpSpPr>
+        <p:cNvPr id="1" name=""/>
+        <p:cNvGrpSpPr/>
+        <p:nvPr/>
+      </p:nvGrpSpPr>
+      <p:grpSpPr>
+        <a:xfrm>
+          <a:off x="0" y="0"/>
+          <a:ext cx="0" cy="0"/>
+          <a:chOff x="0" y="0"/>
+          <a:chExt cx="0" cy="0"/>
+        </a:xfrm>
+      </p:grpSpPr>
+      <p:sp>
+        <p:nvSpPr>
+          <p:cNvPr id="2" name="標題 1"/>
+          <p:cNvSpPr>
+            <a:spLocks noGrp="1"/>
+          </p:cNvSpPr>
+          <p:nvPr>
+            <p:ph type="title"/>
+          </p:nvPr>
+        </p:nvSpPr>
+        <p:spPr/>
+        <p:txBody>
+          <a:bodyPr>
+            <a:normAutofit/>
+          </a:bodyPr>
+          <a:lstStyle/>
+          <a:p>
+            <a:r>
+              <a:rPr lang="zh-TW" altLang="en-US" b="1" dirty="0">
+                <a:latin typeface="微軟正黑體" pitchFamily="34" charset="-120"/>
+                <a:ea typeface="微軟正黑體" pitchFamily="34" charset="-120"/>
+              </a:rPr>
+              <a:t>榮耀歸於真神</a:t>
+            </a:r>
+          </a:p>
+        </p:txBody>
+      </p:sp>
+      <p:sp>
+        <p:nvSpPr>
+          <p:cNvPr id="3" name="內容版面配置區 2"/>
+          <p:cNvSpPr>
+            <a:spLocks noGrp="1"/>
+          </p:cNvSpPr>
+          <p:nvPr>
+            <p:ph idx="1"/>
+          </p:nvPr>
+        </p:nvSpPr>
+        <p:spPr>
+          <a:xfrm>
+            <a:off x="0" y="1600200"/>
+            <a:ext cx="9144000" cy="4525963"/>
+          </a:xfrm>
+        </p:spPr>
+        <p:txBody>
+          <a:bodyPr anchor="t">
+            <a:noAutofit/>
+          </a:bodyPr>
+          <a:lstStyle/>
+          <a:p>
+            <a:pPr algn="ctr">
+              <a:buNone/>
+            </a:pPr>
+            <a:r>
+              <a:rPr lang="zh-TW" altLang="en-US" sz="5400" b="1" dirty="0">
+                <a:latin typeface="微軟正黑體" pitchFamily="34" charset="-120"/>
+                <a:ea typeface="微軟正黑體" pitchFamily="34" charset="-120"/>
+              </a:rPr>
+              <a:t>讚美</a:t>
+            </a:r>
+            <a:r>
+              <a:rPr lang="zh-TW" altLang="en-US" sz="5400" b="1" dirty="0" smtClean="0">
+                <a:latin typeface="微軟正黑體" pitchFamily="34" charset="-120"/>
+                <a:ea typeface="微軟正黑體" pitchFamily="34" charset="-120"/>
+              </a:rPr>
+              <a:t>主   讚美主</a:t>
+            </a:r>
+            <a:endParaRPr lang="en-US" altLang="zh-TW" sz="5400" b="1" dirty="0" smtClean="0">
+              <a:latin typeface="微軟正黑體" pitchFamily="34" charset="-120"/>
+              <a:ea typeface="微軟正黑體" pitchFamily="34" charset="-120"/>
+            </a:endParaRPr>
+          </a:p>
+          <a:p>
+            <a:pPr algn="ctr">
+              <a:buNone/>
+            </a:pPr>
+            <a:r>
+              <a:rPr lang="zh-TW" altLang="en-US" sz="5400" b="1" dirty="0" smtClean="0">
+                <a:latin typeface="微軟正黑體" pitchFamily="34" charset="-120"/>
+                <a:ea typeface="微軟正黑體" pitchFamily="34" charset="-120"/>
+              </a:rPr>
+              <a:t>全</a:t>
+            </a:r>
+            <a:r>
+              <a:rPr lang="zh-TW" altLang="en-US" sz="5400" b="1" dirty="0">
+                <a:latin typeface="微軟正黑體" pitchFamily="34" charset="-120"/>
+                <a:ea typeface="微軟正黑體" pitchFamily="34" charset="-120"/>
+              </a:rPr>
+              <a:t>地聆聽主</a:t>
+            </a:r>
+            <a:r>
+              <a:rPr lang="zh-TW" altLang="en-US" sz="5400" b="1" dirty="0" smtClean="0">
+                <a:latin typeface="微軟正黑體" pitchFamily="34" charset="-120"/>
+                <a:ea typeface="微軟正黑體" pitchFamily="34" charset="-120"/>
               </a:rPr>
               <a:t>聲</a:t>
             </a:r>
             <a:r>
-              <a:rPr lang="zh-TW" altLang="en-US" sz="4400" b="1" dirty="0">
-                <a:solidFill>
-                  <a:srgbClr val="7030A0"/>
-                </a:solidFill>
+              <a:rPr lang="zh-TW" altLang="en-US" sz="5400" b="1" dirty="0">
+                <a:latin typeface="微軟正黑體" pitchFamily="34" charset="-120"/>
+                <a:ea typeface="微軟正黑體" pitchFamily="34" charset="-120"/>
               </a:rPr>
               <a:t>　　</a:t>
             </a:r>
-            <a:endParaRPr lang="en-US" altLang="zh-TW" sz="4400" b="1" dirty="0" smtClean="0">
-              <a:solidFill>
-                <a:srgbClr val="7030A0"/>
-              </a:solidFill>
+            <a:endParaRPr lang="en-US" altLang="zh-TW" sz="5400" b="1" dirty="0" smtClean="0">
+              <a:latin typeface="微軟正黑體" pitchFamily="34" charset="-120"/>
+              <a:ea typeface="微軟正黑體" pitchFamily="34" charset="-120"/>
             </a:endParaRPr>
           </a:p>
           <a:p>
@@ -4256,83 +4584,164 @@
               <a:buNone/>
             </a:pPr>
             <a:r>
-              <a:rPr lang="zh-TW" altLang="en-US" sz="4400" b="1" dirty="0" smtClean="0">
-                <a:solidFill>
-                  <a:srgbClr val="7030A0"/>
-                </a:solidFill>
+              <a:rPr lang="zh-TW" altLang="en-US" sz="5400" b="1" dirty="0" smtClean="0">
+                <a:latin typeface="微軟正黑體" pitchFamily="34" charset="-120"/>
+                <a:ea typeface="微軟正黑體" pitchFamily="34" charset="-120"/>
               </a:rPr>
               <a:t>讚美</a:t>
             </a:r>
             <a:r>
-              <a:rPr lang="zh-TW" altLang="en-US" sz="4400" b="1" dirty="0">
-                <a:solidFill>
-                  <a:srgbClr val="7030A0"/>
-                </a:solidFill>
-              </a:rPr>
-              <a:t>主，讚美主，萬民快樂</a:t>
-            </a:r>
-            <a:r>
-              <a:rPr lang="zh-TW" altLang="en-US" sz="4400" b="1" dirty="0" smtClean="0">
-                <a:solidFill>
-                  <a:srgbClr val="7030A0"/>
-                </a:solidFill>
+              <a:rPr lang="zh-TW" altLang="en-US" sz="5400" b="1" dirty="0" smtClean="0">
+                <a:latin typeface="微軟正黑體" pitchFamily="34" charset="-120"/>
+                <a:ea typeface="微軟正黑體" pitchFamily="34" charset="-120"/>
+              </a:rPr>
+              <a:t>主   讚美主</a:t>
+            </a:r>
+            <a:endParaRPr lang="en-US" altLang="zh-TW" sz="5400" b="1" dirty="0" smtClean="0">
+              <a:latin typeface="微軟正黑體" pitchFamily="34" charset="-120"/>
+              <a:ea typeface="微軟正黑體" pitchFamily="34" charset="-120"/>
+            </a:endParaRPr>
+          </a:p>
+          <a:p>
+            <a:pPr algn="ctr">
+              <a:buNone/>
+            </a:pPr>
+            <a:r>
+              <a:rPr lang="zh-TW" altLang="en-US" sz="5400" b="1" dirty="0" smtClean="0">
+                <a:latin typeface="微軟正黑體" pitchFamily="34" charset="-120"/>
+                <a:ea typeface="微軟正黑體" pitchFamily="34" charset="-120"/>
+              </a:rPr>
+              <a:t>萬</a:t>
+            </a:r>
+            <a:r>
+              <a:rPr lang="zh-TW" altLang="en-US" sz="5400" b="1" dirty="0">
+                <a:latin typeface="微軟正黑體" pitchFamily="34" charset="-120"/>
+                <a:ea typeface="微軟正黑體" pitchFamily="34" charset="-120"/>
+              </a:rPr>
+              <a:t>民快樂</a:t>
+            </a:r>
+            <a:r>
+              <a:rPr lang="zh-TW" altLang="en-US" sz="5400" b="1" dirty="0" smtClean="0">
+                <a:latin typeface="微軟正黑體" pitchFamily="34" charset="-120"/>
+                <a:ea typeface="微軟正黑體" pitchFamily="34" charset="-120"/>
               </a:rPr>
               <a:t>歡欣</a:t>
             </a:r>
-            <a:r>
-              <a:rPr lang="zh-TW" altLang="en-US" sz="4400" b="1" dirty="0">
-                <a:solidFill>
-                  <a:srgbClr val="7030A0"/>
-                </a:solidFill>
-              </a:rPr>
-              <a:t>　　　</a:t>
-            </a:r>
-            <a:endParaRPr lang="en-US" altLang="zh-TW" sz="4400" b="1" dirty="0" smtClean="0">
-              <a:solidFill>
-                <a:srgbClr val="7030A0"/>
-              </a:solidFill>
+            <a:endParaRPr lang="en-US" altLang="zh-TW" sz="5400" b="1" dirty="0" smtClean="0">
+              <a:latin typeface="微軟正黑體" pitchFamily="34" charset="-120"/>
+              <a:ea typeface="微軟正黑體" pitchFamily="34" charset="-120"/>
             </a:endParaRPr>
           </a:p>
+        </p:txBody>
+      </p:sp>
+    </p:spTree>
+  </p:cSld>
+  <p:clrMapOvr>
+    <a:masterClrMapping/>
+  </p:clrMapOvr>
+</p:sld>
+</file>
+
+<file path=ppt/slides/slide9.xml><?xml version="1.0" encoding="utf-8"?>
+<p:sld xmlns:a="http://schemas.openxmlformats.org/drawingml/2006/main" xmlns:r="http://schemas.openxmlformats.org/officeDocument/2006/relationships" xmlns:p="http://schemas.openxmlformats.org/presentationml/2006/main">
+  <p:cSld>
+    <p:spTree>
+      <p:nvGrpSpPr>
+        <p:cNvPr id="1" name=""/>
+        <p:cNvGrpSpPr/>
+        <p:nvPr/>
+      </p:nvGrpSpPr>
+      <p:grpSpPr>
+        <a:xfrm>
+          <a:off x="0" y="0"/>
+          <a:ext cx="0" cy="0"/>
+          <a:chOff x="0" y="0"/>
+          <a:chExt cx="0" cy="0"/>
+        </a:xfrm>
+      </p:grpSpPr>
+      <p:sp>
+        <p:nvSpPr>
+          <p:cNvPr id="2" name="標題 1"/>
+          <p:cNvSpPr>
+            <a:spLocks noGrp="1"/>
+          </p:cNvSpPr>
+          <p:nvPr>
+            <p:ph type="title"/>
+          </p:nvPr>
+        </p:nvSpPr>
+        <p:spPr/>
+        <p:txBody>
+          <a:bodyPr>
+            <a:normAutofit/>
+          </a:bodyPr>
+          <a:lstStyle/>
+          <a:p>
+            <a:r>
+              <a:rPr lang="zh-TW" altLang="en-US" b="1" dirty="0">
+                <a:latin typeface="微軟正黑體" pitchFamily="34" charset="-120"/>
+                <a:ea typeface="微軟正黑體" pitchFamily="34" charset="-120"/>
+              </a:rPr>
+              <a:t>榮耀歸於真神</a:t>
+            </a:r>
+          </a:p>
+        </p:txBody>
+      </p:sp>
+      <p:sp>
+        <p:nvSpPr>
+          <p:cNvPr id="3" name="內容版面配置區 2"/>
+          <p:cNvSpPr>
+            <a:spLocks noGrp="1"/>
+          </p:cNvSpPr>
+          <p:nvPr>
+            <p:ph idx="1"/>
+          </p:nvPr>
+        </p:nvSpPr>
+        <p:spPr>
+          <a:xfrm>
+            <a:off x="0" y="1600200"/>
+            <a:ext cx="9144000" cy="4525963"/>
+          </a:xfrm>
+        </p:spPr>
+        <p:txBody>
+          <a:bodyPr anchor="t">
+            <a:noAutofit/>
+          </a:bodyPr>
+          <a:lstStyle/>
           <a:p>
             <a:pPr algn="ctr">
               <a:buNone/>
             </a:pPr>
             <a:r>
-              <a:rPr lang="zh-TW" altLang="en-US" sz="4400" b="1" dirty="0" smtClean="0">
-                <a:solidFill>
-                  <a:srgbClr val="7030A0"/>
-                </a:solidFill>
+              <a:rPr lang="zh-TW" altLang="en-US" sz="5400" b="1" dirty="0" smtClean="0">
+                <a:latin typeface="微軟正黑體" pitchFamily="34" charset="-120"/>
+                <a:ea typeface="微軟正黑體" pitchFamily="34" charset="-120"/>
               </a:rPr>
               <a:t>請</a:t>
             </a:r>
             <a:r>
-              <a:rPr lang="zh-TW" altLang="en-US" sz="4400" b="1" dirty="0">
-                <a:solidFill>
-                  <a:srgbClr val="7030A0"/>
-                </a:solidFill>
+              <a:rPr lang="zh-TW" altLang="en-US" sz="5400" b="1" dirty="0">
+                <a:latin typeface="微軟正黑體" pitchFamily="34" charset="-120"/>
+                <a:ea typeface="微軟正黑體" pitchFamily="34" charset="-120"/>
               </a:rPr>
               <a:t>來藉聖子耶穌來到父</a:t>
             </a:r>
             <a:r>
-              <a:rPr lang="zh-TW" altLang="en-US" sz="4400" b="1" dirty="0" smtClean="0">
-                <a:solidFill>
-                  <a:srgbClr val="7030A0"/>
-                </a:solidFill>
+              <a:rPr lang="zh-TW" altLang="en-US" sz="5400" b="1" dirty="0" smtClean="0">
+                <a:latin typeface="微軟正黑體" pitchFamily="34" charset="-120"/>
+                <a:ea typeface="微軟正黑體" pitchFamily="34" charset="-120"/>
               </a:rPr>
               <a:t>前</a:t>
             </a:r>
             <a:r>
-              <a:rPr lang="zh-TW" altLang="en-US" sz="4400" b="1" dirty="0">
-                <a:solidFill>
-                  <a:srgbClr val="7030A0"/>
-                </a:solidFill>
+              <a:rPr lang="zh-TW" altLang="en-US" sz="5400" b="1" dirty="0">
+                <a:latin typeface="微軟正黑體" pitchFamily="34" charset="-120"/>
+                <a:ea typeface="微軟正黑體" pitchFamily="34" charset="-120"/>
               </a:rPr>
               <a:t>　　</a:t>
             </a:r>
-            <a:endParaRPr lang="en-US" altLang="zh-TW" sz="4400" b="1" dirty="0" smtClean="0">
-              <a:solidFill>
-                <a:srgbClr val="7030A0"/>
-              </a:solidFill>
+            <a:endParaRPr lang="en-US" altLang="zh-TW" sz="5400" b="1" dirty="0" smtClean="0">
+              <a:latin typeface="微軟正黑體" pitchFamily="34" charset="-120"/>
+              <a:ea typeface="微軟正黑體" pitchFamily="34" charset="-120"/>
             </a:endParaRPr>
           </a:p>
           <a:p>
@@ -4340,33 +4749,59 @@
               <a:buNone/>
             </a:pPr>
             <a:r>
-              <a:rPr lang="zh-TW" altLang="en-US" sz="4400" b="1" dirty="0" smtClean="0">
-                <a:solidFill>
-                  <a:srgbClr val="7030A0"/>
-                </a:solidFill>
+              <a:rPr lang="zh-TW" altLang="en-US" sz="5400" b="1" dirty="0" smtClean="0">
+                <a:latin typeface="微軟正黑體" pitchFamily="34" charset="-120"/>
+                <a:ea typeface="微軟正黑體" pitchFamily="34" charset="-120"/>
               </a:rPr>
               <a:t>榮耀</a:t>
             </a:r>
             <a:r>
-              <a:rPr lang="zh-TW" altLang="en-US" sz="4400" b="1" dirty="0">
-                <a:solidFill>
-                  <a:srgbClr val="7030A0"/>
-                </a:solidFill>
-              </a:rPr>
-              <a:t>歸主，祂已成就大事</a:t>
-            </a:r>
-            <a:r>
-              <a:rPr lang="zh-TW" altLang="en-US" sz="4400" b="1" dirty="0" smtClean="0">
-                <a:solidFill>
-                  <a:srgbClr val="7030A0"/>
-                </a:solidFill>
+              <a:rPr lang="zh-TW" altLang="en-US" sz="5400" b="1" dirty="0">
+                <a:latin typeface="微軟正黑體" pitchFamily="34" charset="-120"/>
+                <a:ea typeface="微軟正黑體" pitchFamily="34" charset="-120"/>
+              </a:rPr>
+              <a:t>歸</a:t>
+            </a:r>
+            <a:r>
+              <a:rPr lang="zh-TW" altLang="en-US" sz="5400" b="1" dirty="0" smtClean="0">
+                <a:latin typeface="微軟正黑體" pitchFamily="34" charset="-120"/>
+                <a:ea typeface="微軟正黑體" pitchFamily="34" charset="-120"/>
+              </a:rPr>
+              <a:t>主</a:t>
+            </a:r>
+            <a:endParaRPr lang="en-US" altLang="zh-TW" sz="5400" b="1" dirty="0" smtClean="0">
+              <a:latin typeface="微軟正黑體" pitchFamily="34" charset="-120"/>
+              <a:ea typeface="微軟正黑體" pitchFamily="34" charset="-120"/>
+            </a:endParaRPr>
+          </a:p>
+          <a:p>
+            <a:pPr algn="ctr">
+              <a:buNone/>
+            </a:pPr>
+            <a:r>
+              <a:rPr lang="zh-TW" altLang="en-US" sz="5400" b="1" dirty="0" smtClean="0">
+                <a:latin typeface="微軟正黑體" pitchFamily="34" charset="-120"/>
+                <a:ea typeface="微軟正黑體" pitchFamily="34" charset="-120"/>
+              </a:rPr>
+              <a:t>祂</a:t>
+            </a:r>
+            <a:r>
+              <a:rPr lang="zh-TW" altLang="en-US" sz="5400" b="1" dirty="0">
+                <a:latin typeface="微軟正黑體" pitchFamily="34" charset="-120"/>
+                <a:ea typeface="微軟正黑體" pitchFamily="34" charset="-120"/>
+              </a:rPr>
+              <a:t>已成就大事</a:t>
+            </a:r>
+            <a:r>
+              <a:rPr lang="zh-TW" altLang="en-US" sz="5400" b="1" dirty="0" smtClean="0">
+                <a:latin typeface="微軟正黑體" pitchFamily="34" charset="-120"/>
+                <a:ea typeface="微軟正黑體" pitchFamily="34" charset="-120"/>
               </a:rPr>
               <a:t>工</a:t>
             </a:r>
-            <a:endParaRPr lang="zh-TW" altLang="en-US" sz="4400" b="1" dirty="0">
-              <a:solidFill>
-                <a:srgbClr val="7030A0"/>
-              </a:solidFill>
+            <a:endParaRPr lang="zh-TW" altLang="en-US" sz="5400" b="1" dirty="0">
+              <a:latin typeface="微軟正黑體" pitchFamily="34" charset="-120"/>
+              <a:ea typeface="微軟正黑體" pitchFamily="34" charset="-120"/>
             </a:endParaRPr>
           </a:p>
         </p:txBody>
@@ -4380,7 +4815,7 @@
 </file>
 
 <file path=ppt/theme/theme1.xml><?xml version="1.0" encoding="utf-8"?>
-<a:theme xmlns:a="http://schemas.openxmlformats.org/drawingml/2006/main" name="Office 佈景主題">
+<a:theme xmlns:a="http://schemas.openxmlformats.org/drawingml/2006/main" name="佈景主題1">
   <a:themeElements>
     <a:clrScheme name="Office">
       <a:dk1>

--- a/(生命聖詩08)榮耀歸於真神.pptx
+++ b/(生命聖詩08)榮耀歸於真神.pptx
@@ -15,7 +15,7 @@
     <p:sldId id="265" r:id="rId9"/>
     <p:sldId id="266" r:id="rId10"/>
   </p:sldIdLst>
-  <p:sldSz cx="9144000" cy="6858000" type="screen4x3"/>
+  <p:sldSz cx="12192000" cy="6858000"/>
   <p:notesSz cx="6858000" cy="9144000"/>
   <p:defaultTextStyle>
     <a:defPPr>
@@ -112,6 +112,22 @@
       </a:defRPr>
     </a:lvl9pPr>
   </p:defaultTextStyle>
+  <p:extLst>
+    <p:ext uri="{EFAFB233-063F-42B5-8137-9DF3F51BA10A}">
+      <p15:sldGuideLst xmlns:p15="http://schemas.microsoft.com/office/powerpoint/2012/main">
+        <p15:guide id="1" orient="horz" pos="2160" userDrawn="1">
+          <p15:clr>
+            <a:srgbClr val="A4A3A4"/>
+          </p15:clr>
+        </p15:guide>
+        <p15:guide id="2" pos="3840" userDrawn="1">
+          <p15:clr>
+            <a:srgbClr val="A4A3A4"/>
+          </p15:clr>
+        </p15:guide>
+      </p15:sldGuideLst>
+    </p:ext>
+  </p:extLst>
 </p:presentation>
 </file>
 
@@ -144,8 +160,8 @@
         </p:nvSpPr>
         <p:spPr>
           <a:xfrm>
-            <a:off x="685800" y="2130425"/>
-            <a:ext cx="7772400" cy="1470025"/>
+            <a:off x="914400" y="2130426"/>
+            <a:ext cx="10363200" cy="1470025"/>
           </a:xfrm>
         </p:spPr>
         <p:txBody>
@@ -172,8 +188,8 @@
         </p:nvSpPr>
         <p:spPr>
           <a:xfrm>
-            <a:off x="1371600" y="3886200"/>
-            <a:ext cx="6400800" cy="1752600"/>
+            <a:off x="1828800" y="3886200"/>
+            <a:ext cx="8534400" cy="1752600"/>
           </a:xfrm>
         </p:spPr>
         <p:txBody>
@@ -297,7 +313,7 @@
             <a:fld id="{8B9173F3-6C38-4885-B6B6-FAC70369B588}" type="datetimeFigureOut">
               <a:rPr lang="zh-TW" altLang="en-US" smtClean="0"/>
               <a:pPr/>
-              <a:t>2019/5/5</a:t>
+              <a:t>2020/1/24</a:t>
             </a:fld>
             <a:endParaRPr lang="zh-TW" altLang="en-US"/>
           </a:p>
@@ -464,7 +480,7 @@
             <a:fld id="{8B9173F3-6C38-4885-B6B6-FAC70369B588}" type="datetimeFigureOut">
               <a:rPr lang="zh-TW" altLang="en-US" smtClean="0"/>
               <a:pPr/>
-              <a:t>2019/5/5</a:t>
+              <a:t>2020/1/24</a:t>
             </a:fld>
             <a:endParaRPr lang="zh-TW" altLang="en-US"/>
           </a:p>
@@ -550,8 +566,8 @@
         </p:nvSpPr>
         <p:spPr>
           <a:xfrm>
-            <a:off x="6629400" y="274638"/>
-            <a:ext cx="2057400" cy="5851525"/>
+            <a:off x="8839200" y="274639"/>
+            <a:ext cx="2743200" cy="5851525"/>
           </a:xfrm>
         </p:spPr>
         <p:txBody>
@@ -578,8 +594,8 @@
         </p:nvSpPr>
         <p:spPr>
           <a:xfrm>
-            <a:off x="457200" y="274638"/>
-            <a:ext cx="6019800" cy="5851525"/>
+            <a:off x="609600" y="274639"/>
+            <a:ext cx="8026400" cy="5851525"/>
           </a:xfrm>
         </p:spPr>
         <p:txBody>
@@ -641,7 +657,7 @@
             <a:fld id="{8B9173F3-6C38-4885-B6B6-FAC70369B588}" type="datetimeFigureOut">
               <a:rPr lang="zh-TW" altLang="en-US" smtClean="0"/>
               <a:pPr/>
-              <a:t>2019/5/5</a:t>
+              <a:t>2020/1/24</a:t>
             </a:fld>
             <a:endParaRPr lang="zh-TW" altLang="en-US"/>
           </a:p>
@@ -808,7 +824,7 @@
             <a:fld id="{8B9173F3-6C38-4885-B6B6-FAC70369B588}" type="datetimeFigureOut">
               <a:rPr lang="zh-TW" altLang="en-US" smtClean="0"/>
               <a:pPr/>
-              <a:t>2019/5/5</a:t>
+              <a:t>2020/1/24</a:t>
             </a:fld>
             <a:endParaRPr lang="zh-TW" altLang="en-US"/>
           </a:p>
@@ -894,8 +910,8 @@
         </p:nvSpPr>
         <p:spPr>
           <a:xfrm>
-            <a:off x="722313" y="4406900"/>
-            <a:ext cx="7772400" cy="1362075"/>
+            <a:off x="963084" y="4406901"/>
+            <a:ext cx="10363200" cy="1362075"/>
           </a:xfrm>
         </p:spPr>
         <p:txBody>
@@ -926,8 +942,8 @@
         </p:nvSpPr>
         <p:spPr>
           <a:xfrm>
-            <a:off x="722313" y="2906713"/>
-            <a:ext cx="7772400" cy="1500187"/>
+            <a:off x="963084" y="2906713"/>
+            <a:ext cx="10363200" cy="1500187"/>
           </a:xfrm>
         </p:spPr>
         <p:txBody>
@@ -1051,7 +1067,7 @@
             <a:fld id="{8B9173F3-6C38-4885-B6B6-FAC70369B588}" type="datetimeFigureOut">
               <a:rPr lang="zh-TW" altLang="en-US" smtClean="0"/>
               <a:pPr/>
-              <a:t>2019/5/5</a:t>
+              <a:t>2020/1/24</a:t>
             </a:fld>
             <a:endParaRPr lang="zh-TW" altLang="en-US"/>
           </a:p>
@@ -1160,8 +1176,8 @@
         </p:nvSpPr>
         <p:spPr>
           <a:xfrm>
-            <a:off x="457200" y="1600200"/>
-            <a:ext cx="4038600" cy="4525963"/>
+            <a:off x="609600" y="1600201"/>
+            <a:ext cx="5384800" cy="4525963"/>
           </a:xfrm>
         </p:spPr>
         <p:txBody>
@@ -1245,8 +1261,8 @@
         </p:nvSpPr>
         <p:spPr>
           <a:xfrm>
-            <a:off x="4648200" y="1600200"/>
-            <a:ext cx="4038600" cy="4525963"/>
+            <a:off x="6197600" y="1600201"/>
+            <a:ext cx="5384800" cy="4525963"/>
           </a:xfrm>
         </p:spPr>
         <p:txBody>
@@ -1336,7 +1352,7 @@
             <a:fld id="{8B9173F3-6C38-4885-B6B6-FAC70369B588}" type="datetimeFigureOut">
               <a:rPr lang="zh-TW" altLang="en-US" smtClean="0"/>
               <a:pPr/>
-              <a:t>2019/5/5</a:t>
+              <a:t>2020/1/24</a:t>
             </a:fld>
             <a:endParaRPr lang="zh-TW" altLang="en-US"/>
           </a:p>
@@ -1449,8 +1465,8 @@
         </p:nvSpPr>
         <p:spPr>
           <a:xfrm>
-            <a:off x="457200" y="1535113"/>
-            <a:ext cx="4040188" cy="639762"/>
+            <a:off x="609600" y="1535113"/>
+            <a:ext cx="5386917" cy="639762"/>
           </a:xfrm>
         </p:spPr>
         <p:txBody>
@@ -1514,8 +1530,8 @@
         </p:nvSpPr>
         <p:spPr>
           <a:xfrm>
-            <a:off x="457200" y="2174875"/>
-            <a:ext cx="4040188" cy="3951288"/>
+            <a:off x="609600" y="2174875"/>
+            <a:ext cx="5386917" cy="3951288"/>
           </a:xfrm>
         </p:spPr>
         <p:txBody>
@@ -1599,8 +1615,8 @@
         </p:nvSpPr>
         <p:spPr>
           <a:xfrm>
-            <a:off x="4645025" y="1535113"/>
-            <a:ext cx="4041775" cy="639762"/>
+            <a:off x="6193368" y="1535113"/>
+            <a:ext cx="5389033" cy="639762"/>
           </a:xfrm>
         </p:spPr>
         <p:txBody>
@@ -1664,8 +1680,8 @@
         </p:nvSpPr>
         <p:spPr>
           <a:xfrm>
-            <a:off x="4645025" y="2174875"/>
-            <a:ext cx="4041775" cy="3951288"/>
+            <a:off x="6193368" y="2174875"/>
+            <a:ext cx="5389033" cy="3951288"/>
           </a:xfrm>
         </p:spPr>
         <p:txBody>
@@ -1755,7 +1771,7 @@
             <a:fld id="{8B9173F3-6C38-4885-B6B6-FAC70369B588}" type="datetimeFigureOut">
               <a:rPr lang="zh-TW" altLang="en-US" smtClean="0"/>
               <a:pPr/>
-              <a:t>2019/5/5</a:t>
+              <a:t>2020/1/24</a:t>
             </a:fld>
             <a:endParaRPr lang="zh-TW" altLang="en-US"/>
           </a:p>
@@ -1870,7 +1886,7 @@
             <a:fld id="{8B9173F3-6C38-4885-B6B6-FAC70369B588}" type="datetimeFigureOut">
               <a:rPr lang="zh-TW" altLang="en-US" smtClean="0"/>
               <a:pPr/>
-              <a:t>2019/5/5</a:t>
+              <a:t>2020/1/24</a:t>
             </a:fld>
             <a:endParaRPr lang="zh-TW" altLang="en-US"/>
           </a:p>
@@ -1962,7 +1978,7 @@
             <a:fld id="{8B9173F3-6C38-4885-B6B6-FAC70369B588}" type="datetimeFigureOut">
               <a:rPr lang="zh-TW" altLang="en-US" smtClean="0"/>
               <a:pPr/>
-              <a:t>2019/5/5</a:t>
+              <a:t>2020/1/24</a:t>
             </a:fld>
             <a:endParaRPr lang="zh-TW" altLang="en-US"/>
           </a:p>
@@ -2048,8 +2064,8 @@
         </p:nvSpPr>
         <p:spPr>
           <a:xfrm>
-            <a:off x="457200" y="273050"/>
-            <a:ext cx="3008313" cy="1162050"/>
+            <a:off x="609601" y="273050"/>
+            <a:ext cx="4011084" cy="1162050"/>
           </a:xfrm>
         </p:spPr>
         <p:txBody>
@@ -2080,8 +2096,8 @@
         </p:nvSpPr>
         <p:spPr>
           <a:xfrm>
-            <a:off x="3575050" y="273050"/>
-            <a:ext cx="5111750" cy="5853113"/>
+            <a:off x="4766733" y="273051"/>
+            <a:ext cx="6815667" cy="5853113"/>
           </a:xfrm>
         </p:spPr>
         <p:txBody>
@@ -2165,8 +2181,8 @@
         </p:nvSpPr>
         <p:spPr>
           <a:xfrm>
-            <a:off x="457200" y="1435100"/>
-            <a:ext cx="3008313" cy="4691063"/>
+            <a:off x="609601" y="1435101"/>
+            <a:ext cx="4011084" cy="4691063"/>
           </a:xfrm>
         </p:spPr>
         <p:txBody>
@@ -2236,7 +2252,7 @@
             <a:fld id="{8B9173F3-6C38-4885-B6B6-FAC70369B588}" type="datetimeFigureOut">
               <a:rPr lang="zh-TW" altLang="en-US" smtClean="0"/>
               <a:pPr/>
-              <a:t>2019/5/5</a:t>
+              <a:t>2020/1/24</a:t>
             </a:fld>
             <a:endParaRPr lang="zh-TW" altLang="en-US"/>
           </a:p>
@@ -2322,8 +2338,8 @@
         </p:nvSpPr>
         <p:spPr>
           <a:xfrm>
-            <a:off x="1792288" y="4800600"/>
-            <a:ext cx="5486400" cy="566738"/>
+            <a:off x="2389717" y="4800600"/>
+            <a:ext cx="7315200" cy="566738"/>
           </a:xfrm>
         </p:spPr>
         <p:txBody>
@@ -2354,8 +2370,8 @@
         </p:nvSpPr>
         <p:spPr>
           <a:xfrm>
-            <a:off x="1792288" y="612775"/>
-            <a:ext cx="5486400" cy="4114800"/>
+            <a:off x="2389717" y="612775"/>
+            <a:ext cx="7315200" cy="4114800"/>
           </a:xfrm>
         </p:spPr>
         <p:txBody>
@@ -2419,8 +2435,8 @@
         </p:nvSpPr>
         <p:spPr>
           <a:xfrm>
-            <a:off x="1792288" y="5367338"/>
-            <a:ext cx="5486400" cy="804862"/>
+            <a:off x="2389717" y="5367338"/>
+            <a:ext cx="7315200" cy="804862"/>
           </a:xfrm>
         </p:spPr>
         <p:txBody>
@@ -2490,7 +2506,7 @@
             <a:fld id="{8B9173F3-6C38-4885-B6B6-FAC70369B588}" type="datetimeFigureOut">
               <a:rPr lang="zh-TW" altLang="en-US" smtClean="0"/>
               <a:pPr/>
-              <a:t>2019/5/5</a:t>
+              <a:t>2020/1/24</a:t>
             </a:fld>
             <a:endParaRPr lang="zh-TW" altLang="en-US"/>
           </a:p>
@@ -2586,8 +2602,8 @@
         </p:nvSpPr>
         <p:spPr>
           <a:xfrm>
-            <a:off x="457200" y="274638"/>
-            <a:ext cx="8229600" cy="1143000"/>
+            <a:off x="609600" y="274638"/>
+            <a:ext cx="10972800" cy="1143000"/>
           </a:xfrm>
           <a:prstGeom prst="rect">
             <a:avLst/>
@@ -2619,8 +2635,8 @@
         </p:nvSpPr>
         <p:spPr>
           <a:xfrm>
-            <a:off x="457200" y="1600200"/>
-            <a:ext cx="8229600" cy="4525963"/>
+            <a:off x="609600" y="1600201"/>
+            <a:ext cx="10972800" cy="4525963"/>
           </a:xfrm>
           <a:prstGeom prst="rect">
             <a:avLst/>
@@ -2681,8 +2697,8 @@
         </p:nvSpPr>
         <p:spPr>
           <a:xfrm>
-            <a:off x="457200" y="6356350"/>
-            <a:ext cx="2133600" cy="365125"/>
+            <a:off x="609600" y="6356351"/>
+            <a:ext cx="2844800" cy="365125"/>
           </a:xfrm>
           <a:prstGeom prst="rect">
             <a:avLst/>
@@ -2705,7 +2721,7 @@
             <a:fld id="{8B9173F3-6C38-4885-B6B6-FAC70369B588}" type="datetimeFigureOut">
               <a:rPr lang="zh-TW" altLang="en-US" smtClean="0"/>
               <a:pPr/>
-              <a:t>2019/5/5</a:t>
+              <a:t>2020/1/24</a:t>
             </a:fld>
             <a:endParaRPr lang="zh-TW" altLang="en-US"/>
           </a:p>
@@ -2723,8 +2739,8 @@
         </p:nvSpPr>
         <p:spPr>
           <a:xfrm>
-            <a:off x="3124200" y="6356350"/>
-            <a:ext cx="2895600" cy="365125"/>
+            <a:off x="4165600" y="6356351"/>
+            <a:ext cx="3860800" cy="365125"/>
           </a:xfrm>
           <a:prstGeom prst="rect">
             <a:avLst/>
@@ -2760,8 +2776,8 @@
         </p:nvSpPr>
         <p:spPr>
           <a:xfrm>
-            <a:off x="6553200" y="6356350"/>
-            <a:ext cx="2133600" cy="365125"/>
+            <a:off x="8737600" y="6356351"/>
+            <a:ext cx="2844800" cy="365125"/>
           </a:xfrm>
           <a:prstGeom prst="rect">
             <a:avLst/>
@@ -3113,7 +3129,7 @@
         </p:nvSpPr>
         <p:spPr>
           <a:xfrm>
-            <a:off x="0" y="1600200"/>
+            <a:off x="1524000" y="1600201"/>
             <a:ext cx="9144000" cy="4525963"/>
           </a:xfrm>
         </p:spPr>
@@ -3134,13 +3150,13 @@
               <a:t>榮耀歸於</a:t>
             </a:r>
             <a:r>
-              <a:rPr lang="zh-TW" altLang="en-US" sz="5400" b="1" dirty="0" smtClean="0">
+              <a:rPr lang="zh-TW" altLang="en-US" sz="5400" b="1" dirty="0">
                 <a:latin typeface="微軟正黑體" pitchFamily="34" charset="-120"/>
                 <a:ea typeface="微軟正黑體" pitchFamily="34" charset="-120"/>
               </a:rPr>
               <a:t>真神</a:t>
             </a:r>
-            <a:endParaRPr lang="en-US" altLang="zh-TW" sz="5400" b="1" dirty="0" smtClean="0">
+            <a:endParaRPr lang="en-US" altLang="zh-TW" sz="5400" b="1" dirty="0">
               <a:latin typeface="微軟正黑體" pitchFamily="34" charset="-120"/>
               <a:ea typeface="微軟正黑體" pitchFamily="34" charset="-120"/>
             </a:endParaRPr>
@@ -3150,7 +3166,7 @@
               <a:buNone/>
             </a:pPr>
             <a:r>
-              <a:rPr lang="zh-TW" altLang="en-US" sz="5400" b="1" dirty="0" smtClean="0">
+              <a:rPr lang="zh-TW" altLang="en-US" sz="5400" b="1" dirty="0">
                 <a:latin typeface="微軟正黑體" pitchFamily="34" charset="-120"/>
                 <a:ea typeface="微軟正黑體" pitchFamily="34" charset="-120"/>
               </a:rPr>
@@ -3164,13 +3180,13 @@
               <a:t>成就</a:t>
             </a:r>
             <a:r>
-              <a:rPr lang="zh-TW" altLang="en-US" sz="5400" b="1" dirty="0" smtClean="0">
+              <a:rPr lang="zh-TW" altLang="en-US" sz="5400" b="1" dirty="0">
                 <a:latin typeface="微軟正黑體" pitchFamily="34" charset="-120"/>
                 <a:ea typeface="微軟正黑體" pitchFamily="34" charset="-120"/>
               </a:rPr>
               <a:t>大事</a:t>
             </a:r>
-            <a:endParaRPr lang="en-US" altLang="zh-TW" sz="5400" b="1" dirty="0" smtClean="0">
+            <a:endParaRPr lang="en-US" altLang="zh-TW" sz="5400" b="1" dirty="0">
               <a:latin typeface="微軟正黑體" pitchFamily="34" charset="-120"/>
               <a:ea typeface="微軟正黑體" pitchFamily="34" charset="-120"/>
             </a:endParaRPr>
@@ -3180,7 +3196,7 @@
               <a:buNone/>
             </a:pPr>
             <a:r>
-              <a:rPr lang="zh-TW" altLang="en-US" sz="5400" b="1" dirty="0" smtClean="0">
+              <a:rPr lang="zh-TW" altLang="en-US" sz="5400" b="1" dirty="0">
                 <a:latin typeface="微軟正黑體" pitchFamily="34" charset="-120"/>
                 <a:ea typeface="微軟正黑體" pitchFamily="34" charset="-120"/>
               </a:rPr>
@@ -3194,13 +3210,13 @@
               <a:t>愛世人甚至賜下</a:t>
             </a:r>
             <a:r>
-              <a:rPr lang="zh-TW" altLang="en-US" sz="5400" b="1" dirty="0" smtClean="0">
+              <a:rPr lang="zh-TW" altLang="en-US" sz="5400" b="1" dirty="0">
                 <a:latin typeface="微軟正黑體" pitchFamily="34" charset="-120"/>
                 <a:ea typeface="微軟正黑體" pitchFamily="34" charset="-120"/>
               </a:rPr>
               <a:t>獨生子</a:t>
             </a:r>
-            <a:endParaRPr lang="en-US" altLang="zh-TW" sz="5400" b="1" dirty="0" smtClean="0">
+            <a:endParaRPr lang="en-US" altLang="zh-TW" sz="5400" b="1" dirty="0">
               <a:latin typeface="微軟正黑體" pitchFamily="34" charset="-120"/>
               <a:ea typeface="微軟正黑體" pitchFamily="34" charset="-120"/>
             </a:endParaRPr>
@@ -3210,7 +3226,7 @@
               <a:buNone/>
             </a:pPr>
             <a:r>
-              <a:rPr lang="zh-TW" altLang="en-US" sz="5400" b="1" dirty="0" smtClean="0">
+              <a:rPr lang="zh-TW" altLang="en-US" sz="5400" b="1" dirty="0">
                 <a:latin typeface="微軟正黑體" pitchFamily="34" charset="-120"/>
                 <a:ea typeface="微軟正黑體" pitchFamily="34" charset="-120"/>
               </a:rPr>
@@ -3224,7 +3240,7 @@
               <a:t>獻上祂</a:t>
             </a:r>
             <a:r>
-              <a:rPr lang="zh-TW" altLang="en-US" sz="5400" b="1" dirty="0" smtClean="0">
+              <a:rPr lang="zh-TW" altLang="en-US" sz="5400" b="1" dirty="0">
                 <a:latin typeface="微軟正黑體" pitchFamily="34" charset="-120"/>
                 <a:ea typeface="微軟正黑體" pitchFamily="34" charset="-120"/>
               </a:rPr>
@@ -3238,13 +3254,13 @@
               <a:t>贖罪</a:t>
             </a:r>
             <a:r>
-              <a:rPr lang="zh-TW" altLang="en-US" sz="5400" b="1" dirty="0" smtClean="0">
+              <a:rPr lang="zh-TW" altLang="en-US" sz="5400" b="1" dirty="0">
                 <a:latin typeface="微軟正黑體" pitchFamily="34" charset="-120"/>
                 <a:ea typeface="微軟正黑體" pitchFamily="34" charset="-120"/>
               </a:rPr>
               <a:t>受害</a:t>
             </a:r>
-            <a:endParaRPr lang="en-US" altLang="zh-TW" sz="5400" b="1" dirty="0" smtClean="0">
+            <a:endParaRPr lang="en-US" altLang="zh-TW" sz="5400" b="1" dirty="0">
               <a:latin typeface="微軟正黑體" pitchFamily="34" charset="-120"/>
               <a:ea typeface="微軟正黑體" pitchFamily="34" charset="-120"/>
             </a:endParaRPr>
@@ -3254,7 +3270,7 @@
               <a:buNone/>
             </a:pPr>
             <a:r>
-              <a:rPr lang="zh-TW" altLang="en-US" sz="5400" b="1" dirty="0" smtClean="0">
+              <a:rPr lang="zh-TW" altLang="en-US" sz="5400" b="1" dirty="0">
                 <a:latin typeface="微軟正黑體" pitchFamily="34" charset="-120"/>
                 <a:ea typeface="微軟正黑體" pitchFamily="34" charset="-120"/>
               </a:rPr>
@@ -3268,7 +3284,7 @@
               <a:t>門已大</a:t>
             </a:r>
             <a:r>
-              <a:rPr lang="zh-TW" altLang="en-US" sz="5400" b="1" dirty="0" smtClean="0">
+              <a:rPr lang="zh-TW" altLang="en-US" sz="5400" b="1" dirty="0">
                 <a:latin typeface="微軟正黑體" pitchFamily="34" charset="-120"/>
                 <a:ea typeface="微軟正黑體" pitchFamily="34" charset="-120"/>
               </a:rPr>
@@ -3282,7 +3298,7 @@
               <a:t>可</a:t>
             </a:r>
             <a:r>
-              <a:rPr lang="zh-TW" altLang="en-US" sz="5400" b="1" dirty="0" smtClean="0">
+              <a:rPr lang="zh-TW" altLang="en-US" sz="5400" b="1" dirty="0">
                 <a:latin typeface="微軟正黑體" pitchFamily="34" charset="-120"/>
                 <a:ea typeface="微軟正黑體" pitchFamily="34" charset="-120"/>
               </a:rPr>
@@ -3359,7 +3375,7 @@
         </p:nvSpPr>
         <p:spPr>
           <a:xfrm>
-            <a:off x="0" y="1600200"/>
+            <a:off x="1524000" y="1600201"/>
             <a:ext cx="9144000" cy="4525963"/>
           </a:xfrm>
         </p:spPr>
@@ -3380,13 +3396,13 @@
               <a:t>讚美</a:t>
             </a:r>
             <a:r>
-              <a:rPr lang="zh-TW" altLang="en-US" sz="5400" b="1" dirty="0" smtClean="0">
+              <a:rPr lang="zh-TW" altLang="en-US" sz="5400" b="1" dirty="0">
                 <a:latin typeface="微軟正黑體" pitchFamily="34" charset="-120"/>
                 <a:ea typeface="微軟正黑體" pitchFamily="34" charset="-120"/>
               </a:rPr>
               <a:t>主   讚美主</a:t>
             </a:r>
-            <a:endParaRPr lang="en-US" altLang="zh-TW" sz="5400" b="1" dirty="0" smtClean="0">
+            <a:endParaRPr lang="en-US" altLang="zh-TW" sz="5400" b="1" dirty="0">
               <a:latin typeface="微軟正黑體" pitchFamily="34" charset="-120"/>
               <a:ea typeface="微軟正黑體" pitchFamily="34" charset="-120"/>
             </a:endParaRPr>
@@ -3396,7 +3412,7 @@
               <a:buNone/>
             </a:pPr>
             <a:r>
-              <a:rPr lang="zh-TW" altLang="en-US" sz="5400" b="1" dirty="0" smtClean="0">
+              <a:rPr lang="zh-TW" altLang="en-US" sz="5400" b="1" dirty="0">
                 <a:latin typeface="微軟正黑體" pitchFamily="34" charset="-120"/>
                 <a:ea typeface="微軟正黑體" pitchFamily="34" charset="-120"/>
               </a:rPr>
@@ -3410,7 +3426,7 @@
               <a:t>地聆聽主</a:t>
             </a:r>
             <a:r>
-              <a:rPr lang="zh-TW" altLang="en-US" sz="5400" b="1" dirty="0" smtClean="0">
+              <a:rPr lang="zh-TW" altLang="en-US" sz="5400" b="1" dirty="0">
                 <a:latin typeface="微軟正黑體" pitchFamily="34" charset="-120"/>
                 <a:ea typeface="微軟正黑體" pitchFamily="34" charset="-120"/>
               </a:rPr>
@@ -3423,7 +3439,7 @@
               </a:rPr>
               <a:t>　　</a:t>
             </a:r>
-            <a:endParaRPr lang="en-US" altLang="zh-TW" sz="5400" b="1" dirty="0" smtClean="0">
+            <a:endParaRPr lang="en-US" altLang="zh-TW" sz="5400" b="1" dirty="0">
               <a:latin typeface="微軟正黑體" pitchFamily="34" charset="-120"/>
               <a:ea typeface="微軟正黑體" pitchFamily="34" charset="-120"/>
             </a:endParaRPr>
@@ -3433,20 +3449,13 @@
               <a:buNone/>
             </a:pPr>
             <a:r>
-              <a:rPr lang="zh-TW" altLang="en-US" sz="5400" b="1" dirty="0" smtClean="0">
-                <a:latin typeface="微軟正黑體" pitchFamily="34" charset="-120"/>
-                <a:ea typeface="微軟正黑體" pitchFamily="34" charset="-120"/>
-              </a:rPr>
-              <a:t>讚美</a:t>
-            </a:r>
-            <a:r>
-              <a:rPr lang="zh-TW" altLang="en-US" sz="5400" b="1" dirty="0" smtClean="0">
-                <a:latin typeface="微軟正黑體" pitchFamily="34" charset="-120"/>
-                <a:ea typeface="微軟正黑體" pitchFamily="34" charset="-120"/>
-              </a:rPr>
-              <a:t>主   讚美主</a:t>
-            </a:r>
-            <a:endParaRPr lang="en-US" altLang="zh-TW" sz="5400" b="1" dirty="0" smtClean="0">
+              <a:rPr lang="zh-TW" altLang="en-US" sz="5400" b="1" dirty="0">
+                <a:latin typeface="微軟正黑體" pitchFamily="34" charset="-120"/>
+                <a:ea typeface="微軟正黑體" pitchFamily="34" charset="-120"/>
+              </a:rPr>
+              <a:t>讚美主   讚美主</a:t>
+            </a:r>
+            <a:endParaRPr lang="en-US" altLang="zh-TW" sz="5400" b="1" dirty="0">
               <a:latin typeface="微軟正黑體" pitchFamily="34" charset="-120"/>
               <a:ea typeface="微軟正黑體" pitchFamily="34" charset="-120"/>
             </a:endParaRPr>
@@ -3456,7 +3465,7 @@
               <a:buNone/>
             </a:pPr>
             <a:r>
-              <a:rPr lang="zh-TW" altLang="en-US" sz="5400" b="1" dirty="0" smtClean="0">
+              <a:rPr lang="zh-TW" altLang="en-US" sz="5400" b="1" dirty="0">
                 <a:latin typeface="微軟正黑體" pitchFamily="34" charset="-120"/>
                 <a:ea typeface="微軟正黑體" pitchFamily="34" charset="-120"/>
               </a:rPr>
@@ -3470,13 +3479,13 @@
               <a:t>民快樂</a:t>
             </a:r>
             <a:r>
-              <a:rPr lang="zh-TW" altLang="en-US" sz="5400" b="1" dirty="0" smtClean="0">
+              <a:rPr lang="zh-TW" altLang="en-US" sz="5400" b="1" dirty="0">
                 <a:latin typeface="微軟正黑體" pitchFamily="34" charset="-120"/>
                 <a:ea typeface="微軟正黑體" pitchFamily="34" charset="-120"/>
               </a:rPr>
               <a:t>歡欣</a:t>
             </a:r>
-            <a:endParaRPr lang="en-US" altLang="zh-TW" sz="5400" b="1" dirty="0" smtClean="0">
+            <a:endParaRPr lang="en-US" altLang="zh-TW" sz="5400" b="1" dirty="0">
               <a:latin typeface="微軟正黑體" pitchFamily="34" charset="-120"/>
               <a:ea typeface="微軟正黑體" pitchFamily="34" charset="-120"/>
             </a:endParaRPr>
@@ -3547,7 +3556,7 @@
         </p:nvSpPr>
         <p:spPr>
           <a:xfrm>
-            <a:off x="0" y="1600200"/>
+            <a:off x="1524000" y="1600201"/>
             <a:ext cx="9144000" cy="4525963"/>
           </a:xfrm>
         </p:spPr>
@@ -3561,7 +3570,7 @@
               <a:buNone/>
             </a:pPr>
             <a:r>
-              <a:rPr lang="zh-TW" altLang="en-US" sz="5400" b="1" dirty="0" smtClean="0">
+              <a:rPr lang="zh-TW" altLang="en-US" sz="5400" b="1" dirty="0">
                 <a:latin typeface="微軟正黑體" pitchFamily="34" charset="-120"/>
                 <a:ea typeface="微軟正黑體" pitchFamily="34" charset="-120"/>
               </a:rPr>
@@ -3575,7 +3584,7 @@
               <a:t>來藉聖子耶穌來到父</a:t>
             </a:r>
             <a:r>
-              <a:rPr lang="zh-TW" altLang="en-US" sz="5400" b="1" dirty="0" smtClean="0">
+              <a:rPr lang="zh-TW" altLang="en-US" sz="5400" b="1" dirty="0">
                 <a:latin typeface="微軟正黑體" pitchFamily="34" charset="-120"/>
                 <a:ea typeface="微軟正黑體" pitchFamily="34" charset="-120"/>
               </a:rPr>
@@ -3588,7 +3597,7 @@
               </a:rPr>
               <a:t>　　</a:t>
             </a:r>
-            <a:endParaRPr lang="en-US" altLang="zh-TW" sz="5400" b="1" dirty="0" smtClean="0">
+            <a:endParaRPr lang="en-US" altLang="zh-TW" sz="5400" b="1" dirty="0">
               <a:latin typeface="微軟正黑體" pitchFamily="34" charset="-120"/>
               <a:ea typeface="微軟正黑體" pitchFamily="34" charset="-120"/>
             </a:endParaRPr>
@@ -3598,7 +3607,7 @@
               <a:buNone/>
             </a:pPr>
             <a:r>
-              <a:rPr lang="zh-TW" altLang="en-US" sz="5400" b="1" dirty="0" smtClean="0">
+              <a:rPr lang="zh-TW" altLang="en-US" sz="5400" b="1" dirty="0">
                 <a:latin typeface="微軟正黑體" pitchFamily="34" charset="-120"/>
                 <a:ea typeface="微軟正黑體" pitchFamily="34" charset="-120"/>
               </a:rPr>
@@ -3612,13 +3621,13 @@
               <a:t>歸</a:t>
             </a:r>
             <a:r>
-              <a:rPr lang="zh-TW" altLang="en-US" sz="5400" b="1" dirty="0" smtClean="0">
+              <a:rPr lang="zh-TW" altLang="en-US" sz="5400" b="1" dirty="0">
                 <a:latin typeface="微軟正黑體" pitchFamily="34" charset="-120"/>
                 <a:ea typeface="微軟正黑體" pitchFamily="34" charset="-120"/>
               </a:rPr>
               <a:t>主</a:t>
             </a:r>
-            <a:endParaRPr lang="en-US" altLang="zh-TW" sz="5400" b="1" dirty="0" smtClean="0">
+            <a:endParaRPr lang="en-US" altLang="zh-TW" sz="5400" b="1" dirty="0">
               <a:latin typeface="微軟正黑體" pitchFamily="34" charset="-120"/>
               <a:ea typeface="微軟正黑體" pitchFamily="34" charset="-120"/>
             </a:endParaRPr>
@@ -3628,7 +3637,7 @@
               <a:buNone/>
             </a:pPr>
             <a:r>
-              <a:rPr lang="zh-TW" altLang="en-US" sz="5400" b="1" dirty="0" smtClean="0">
+              <a:rPr lang="zh-TW" altLang="en-US" sz="5400" b="1" dirty="0">
                 <a:latin typeface="微軟正黑體" pitchFamily="34" charset="-120"/>
                 <a:ea typeface="微軟正黑體" pitchFamily="34" charset="-120"/>
               </a:rPr>
@@ -3642,7 +3651,7 @@
               <a:t>已成就大事</a:t>
             </a:r>
             <a:r>
-              <a:rPr lang="zh-TW" altLang="en-US" sz="5400" b="1" dirty="0" smtClean="0">
+              <a:rPr lang="zh-TW" altLang="en-US" sz="5400" b="1" dirty="0">
                 <a:latin typeface="微軟正黑體" pitchFamily="34" charset="-120"/>
                 <a:ea typeface="微軟正黑體" pitchFamily="34" charset="-120"/>
               </a:rPr>
@@ -3735,13 +3744,13 @@
               <a:t>救主流寶</a:t>
             </a:r>
             <a:r>
-              <a:rPr lang="zh-TW" altLang="en-US" sz="5400" b="1" dirty="0" smtClean="0">
+              <a:rPr lang="zh-TW" altLang="en-US" sz="5400" b="1" dirty="0">
                 <a:latin typeface="微軟正黑體" pitchFamily="34" charset="-120"/>
                 <a:ea typeface="微軟正黑體" pitchFamily="34" charset="-120"/>
               </a:rPr>
               <a:t>血</a:t>
             </a:r>
-            <a:endParaRPr lang="en-US" altLang="zh-TW" sz="5400" b="1" dirty="0" smtClean="0">
+            <a:endParaRPr lang="en-US" altLang="zh-TW" sz="5400" b="1" dirty="0">
               <a:latin typeface="微軟正黑體" pitchFamily="34" charset="-120"/>
               <a:ea typeface="微軟正黑體" pitchFamily="34" charset="-120"/>
             </a:endParaRPr>
@@ -3751,7 +3760,7 @@
               <a:buNone/>
             </a:pPr>
             <a:r>
-              <a:rPr lang="zh-TW" altLang="en-US" sz="5400" b="1" dirty="0" smtClean="0">
+              <a:rPr lang="zh-TW" altLang="en-US" sz="5400" b="1" dirty="0">
                 <a:latin typeface="微軟正黑體" pitchFamily="34" charset="-120"/>
                 <a:ea typeface="微軟正黑體" pitchFamily="34" charset="-120"/>
               </a:rPr>
@@ -3765,13 +3774,13 @@
               <a:t>全備救</a:t>
             </a:r>
             <a:r>
-              <a:rPr lang="zh-TW" altLang="en-US" sz="5400" b="1" dirty="0" smtClean="0">
+              <a:rPr lang="zh-TW" altLang="en-US" sz="5400" b="1" dirty="0">
                 <a:latin typeface="微軟正黑體" pitchFamily="34" charset="-120"/>
                 <a:ea typeface="微軟正黑體" pitchFamily="34" charset="-120"/>
               </a:rPr>
               <a:t>恩</a:t>
             </a:r>
-            <a:endParaRPr lang="en-US" altLang="zh-TW" sz="5400" b="1" dirty="0" smtClean="0">
+            <a:endParaRPr lang="en-US" altLang="zh-TW" sz="5400" b="1" dirty="0">
               <a:latin typeface="微軟正黑體" pitchFamily="34" charset="-120"/>
               <a:ea typeface="微軟正黑體" pitchFamily="34" charset="-120"/>
             </a:endParaRPr>
@@ -3781,7 +3790,7 @@
               <a:buNone/>
             </a:pPr>
             <a:r>
-              <a:rPr lang="zh-TW" altLang="en-US" sz="5400" b="1" dirty="0" smtClean="0">
+              <a:rPr lang="zh-TW" altLang="en-US" sz="5400" b="1" dirty="0">
                 <a:latin typeface="微軟正黑體" pitchFamily="34" charset="-120"/>
                 <a:ea typeface="微軟正黑體" pitchFamily="34" charset="-120"/>
               </a:rPr>
@@ -3795,13 +3804,13 @@
               <a:t>應許賜給凡信祂的</a:t>
             </a:r>
             <a:r>
-              <a:rPr lang="zh-TW" altLang="en-US" sz="5400" b="1" dirty="0" smtClean="0">
+              <a:rPr lang="zh-TW" altLang="en-US" sz="5400" b="1" dirty="0">
                 <a:latin typeface="微軟正黑體" pitchFamily="34" charset="-120"/>
                 <a:ea typeface="微軟正黑體" pitchFamily="34" charset="-120"/>
               </a:rPr>
               <a:t>人</a:t>
             </a:r>
-            <a:endParaRPr lang="en-US" altLang="zh-TW" sz="5400" b="1" dirty="0" smtClean="0">
+            <a:endParaRPr lang="en-US" altLang="zh-TW" sz="5400" b="1" dirty="0">
               <a:latin typeface="微軟正黑體" pitchFamily="34" charset="-120"/>
               <a:ea typeface="微軟正黑體" pitchFamily="34" charset="-120"/>
             </a:endParaRPr>
@@ -3811,7 +3820,7 @@
               <a:buNone/>
             </a:pPr>
             <a:r>
-              <a:rPr lang="zh-TW" altLang="en-US" sz="5400" b="1" dirty="0" smtClean="0">
+              <a:rPr lang="zh-TW" altLang="en-US" sz="5400" b="1" dirty="0">
                 <a:latin typeface="微軟正黑體" pitchFamily="34" charset="-120"/>
                 <a:ea typeface="微軟正黑體" pitchFamily="34" charset="-120"/>
               </a:rPr>
@@ -3825,13 +3834,13 @@
               <a:t>罪人中之罪魁若真心</a:t>
             </a:r>
             <a:r>
-              <a:rPr lang="zh-TW" altLang="en-US" sz="5400" b="1" dirty="0" smtClean="0">
+              <a:rPr lang="zh-TW" altLang="en-US" sz="5400" b="1" dirty="0">
                 <a:latin typeface="微軟正黑體" pitchFamily="34" charset="-120"/>
                 <a:ea typeface="微軟正黑體" pitchFamily="34" charset="-120"/>
               </a:rPr>
               <a:t>相信</a:t>
             </a:r>
-            <a:endParaRPr lang="en-US" altLang="zh-TW" sz="5400" b="1" dirty="0" smtClean="0">
+            <a:endParaRPr lang="en-US" altLang="zh-TW" sz="5400" b="1" dirty="0">
               <a:latin typeface="微軟正黑體" pitchFamily="34" charset="-120"/>
               <a:ea typeface="微軟正黑體" pitchFamily="34" charset="-120"/>
             </a:endParaRPr>
@@ -3841,7 +3850,7 @@
               <a:buNone/>
             </a:pPr>
             <a:r>
-              <a:rPr lang="zh-TW" altLang="en-US" sz="5400" b="1" dirty="0" smtClean="0">
+              <a:rPr lang="zh-TW" altLang="en-US" sz="5400" b="1" dirty="0">
                 <a:latin typeface="微軟正黑體" pitchFamily="34" charset="-120"/>
                 <a:ea typeface="微軟正黑體" pitchFamily="34" charset="-120"/>
               </a:rPr>
@@ -3918,7 +3927,7 @@
         </p:nvSpPr>
         <p:spPr>
           <a:xfrm>
-            <a:off x="0" y="1600200"/>
+            <a:off x="1524000" y="1600201"/>
             <a:ext cx="9144000" cy="4525963"/>
           </a:xfrm>
         </p:spPr>
@@ -3939,13 +3948,13 @@
               <a:t>讚美</a:t>
             </a:r>
             <a:r>
-              <a:rPr lang="zh-TW" altLang="en-US" sz="5400" b="1" dirty="0" smtClean="0">
+              <a:rPr lang="zh-TW" altLang="en-US" sz="5400" b="1" dirty="0">
                 <a:latin typeface="微軟正黑體" pitchFamily="34" charset="-120"/>
                 <a:ea typeface="微軟正黑體" pitchFamily="34" charset="-120"/>
               </a:rPr>
               <a:t>主   讚美主</a:t>
             </a:r>
-            <a:endParaRPr lang="en-US" altLang="zh-TW" sz="5400" b="1" dirty="0" smtClean="0">
+            <a:endParaRPr lang="en-US" altLang="zh-TW" sz="5400" b="1" dirty="0">
               <a:latin typeface="微軟正黑體" pitchFamily="34" charset="-120"/>
               <a:ea typeface="微軟正黑體" pitchFamily="34" charset="-120"/>
             </a:endParaRPr>
@@ -3955,7 +3964,7 @@
               <a:buNone/>
             </a:pPr>
             <a:r>
-              <a:rPr lang="zh-TW" altLang="en-US" sz="5400" b="1" dirty="0" smtClean="0">
+              <a:rPr lang="zh-TW" altLang="en-US" sz="5400" b="1" dirty="0">
                 <a:latin typeface="微軟正黑體" pitchFamily="34" charset="-120"/>
                 <a:ea typeface="微軟正黑體" pitchFamily="34" charset="-120"/>
               </a:rPr>
@@ -3969,7 +3978,7 @@
               <a:t>地聆聽主</a:t>
             </a:r>
             <a:r>
-              <a:rPr lang="zh-TW" altLang="en-US" sz="5400" b="1" dirty="0" smtClean="0">
+              <a:rPr lang="zh-TW" altLang="en-US" sz="5400" b="1" dirty="0">
                 <a:latin typeface="微軟正黑體" pitchFamily="34" charset="-120"/>
                 <a:ea typeface="微軟正黑體" pitchFamily="34" charset="-120"/>
               </a:rPr>
@@ -3982,7 +3991,7 @@
               </a:rPr>
               <a:t>　　</a:t>
             </a:r>
-            <a:endParaRPr lang="en-US" altLang="zh-TW" sz="5400" b="1" dirty="0" smtClean="0">
+            <a:endParaRPr lang="en-US" altLang="zh-TW" sz="5400" b="1" dirty="0">
               <a:latin typeface="微軟正黑體" pitchFamily="34" charset="-120"/>
               <a:ea typeface="微軟正黑體" pitchFamily="34" charset="-120"/>
             </a:endParaRPr>
@@ -3992,20 +4001,13 @@
               <a:buNone/>
             </a:pPr>
             <a:r>
-              <a:rPr lang="zh-TW" altLang="en-US" sz="5400" b="1" dirty="0" smtClean="0">
-                <a:latin typeface="微軟正黑體" pitchFamily="34" charset="-120"/>
-                <a:ea typeface="微軟正黑體" pitchFamily="34" charset="-120"/>
-              </a:rPr>
-              <a:t>讚美</a:t>
-            </a:r>
-            <a:r>
-              <a:rPr lang="zh-TW" altLang="en-US" sz="5400" b="1" dirty="0" smtClean="0">
-                <a:latin typeface="微軟正黑體" pitchFamily="34" charset="-120"/>
-                <a:ea typeface="微軟正黑體" pitchFamily="34" charset="-120"/>
-              </a:rPr>
-              <a:t>主   讚美主</a:t>
-            </a:r>
-            <a:endParaRPr lang="en-US" altLang="zh-TW" sz="5400" b="1" dirty="0" smtClean="0">
+              <a:rPr lang="zh-TW" altLang="en-US" sz="5400" b="1" dirty="0">
+                <a:latin typeface="微軟正黑體" pitchFamily="34" charset="-120"/>
+                <a:ea typeface="微軟正黑體" pitchFamily="34" charset="-120"/>
+              </a:rPr>
+              <a:t>讚美主   讚美主</a:t>
+            </a:r>
+            <a:endParaRPr lang="en-US" altLang="zh-TW" sz="5400" b="1" dirty="0">
               <a:latin typeface="微軟正黑體" pitchFamily="34" charset="-120"/>
               <a:ea typeface="微軟正黑體" pitchFamily="34" charset="-120"/>
             </a:endParaRPr>
@@ -4015,7 +4017,7 @@
               <a:buNone/>
             </a:pPr>
             <a:r>
-              <a:rPr lang="zh-TW" altLang="en-US" sz="5400" b="1" dirty="0" smtClean="0">
+              <a:rPr lang="zh-TW" altLang="en-US" sz="5400" b="1" dirty="0">
                 <a:latin typeface="微軟正黑體" pitchFamily="34" charset="-120"/>
                 <a:ea typeface="微軟正黑體" pitchFamily="34" charset="-120"/>
               </a:rPr>
@@ -4029,13 +4031,13 @@
               <a:t>民快樂</a:t>
             </a:r>
             <a:r>
-              <a:rPr lang="zh-TW" altLang="en-US" sz="5400" b="1" dirty="0" smtClean="0">
+              <a:rPr lang="zh-TW" altLang="en-US" sz="5400" b="1" dirty="0">
                 <a:latin typeface="微軟正黑體" pitchFamily="34" charset="-120"/>
                 <a:ea typeface="微軟正黑體" pitchFamily="34" charset="-120"/>
               </a:rPr>
               <a:t>歡欣</a:t>
             </a:r>
-            <a:endParaRPr lang="en-US" altLang="zh-TW" sz="5400" b="1" dirty="0" smtClean="0">
+            <a:endParaRPr lang="en-US" altLang="zh-TW" sz="5400" b="1" dirty="0">
               <a:latin typeface="微軟正黑體" pitchFamily="34" charset="-120"/>
               <a:ea typeface="微軟正黑體" pitchFamily="34" charset="-120"/>
             </a:endParaRPr>
@@ -4106,7 +4108,7 @@
         </p:nvSpPr>
         <p:spPr>
           <a:xfrm>
-            <a:off x="0" y="1600200"/>
+            <a:off x="1524000" y="1600201"/>
             <a:ext cx="9144000" cy="4525963"/>
           </a:xfrm>
         </p:spPr>
@@ -4120,7 +4122,7 @@
               <a:buNone/>
             </a:pPr>
             <a:r>
-              <a:rPr lang="zh-TW" altLang="en-US" sz="5400" b="1" dirty="0" smtClean="0">
+              <a:rPr lang="zh-TW" altLang="en-US" sz="5400" b="1" dirty="0">
                 <a:latin typeface="微軟正黑體" pitchFamily="34" charset="-120"/>
                 <a:ea typeface="微軟正黑體" pitchFamily="34" charset="-120"/>
               </a:rPr>
@@ -4134,7 +4136,7 @@
               <a:t>來藉聖子耶穌來到父</a:t>
             </a:r>
             <a:r>
-              <a:rPr lang="zh-TW" altLang="en-US" sz="5400" b="1" dirty="0" smtClean="0">
+              <a:rPr lang="zh-TW" altLang="en-US" sz="5400" b="1" dirty="0">
                 <a:latin typeface="微軟正黑體" pitchFamily="34" charset="-120"/>
                 <a:ea typeface="微軟正黑體" pitchFamily="34" charset="-120"/>
               </a:rPr>
@@ -4147,7 +4149,7 @@
               </a:rPr>
               <a:t>　　</a:t>
             </a:r>
-            <a:endParaRPr lang="en-US" altLang="zh-TW" sz="5400" b="1" dirty="0" smtClean="0">
+            <a:endParaRPr lang="en-US" altLang="zh-TW" sz="5400" b="1" dirty="0">
               <a:latin typeface="微軟正黑體" pitchFamily="34" charset="-120"/>
               <a:ea typeface="微軟正黑體" pitchFamily="34" charset="-120"/>
             </a:endParaRPr>
@@ -4157,7 +4159,7 @@
               <a:buNone/>
             </a:pPr>
             <a:r>
-              <a:rPr lang="zh-TW" altLang="en-US" sz="5400" b="1" dirty="0" smtClean="0">
+              <a:rPr lang="zh-TW" altLang="en-US" sz="5400" b="1" dirty="0">
                 <a:latin typeface="微軟正黑體" pitchFamily="34" charset="-120"/>
                 <a:ea typeface="微軟正黑體" pitchFamily="34" charset="-120"/>
               </a:rPr>
@@ -4171,13 +4173,13 @@
               <a:t>歸</a:t>
             </a:r>
             <a:r>
-              <a:rPr lang="zh-TW" altLang="en-US" sz="5400" b="1" dirty="0" smtClean="0">
+              <a:rPr lang="zh-TW" altLang="en-US" sz="5400" b="1" dirty="0">
                 <a:latin typeface="微軟正黑體" pitchFamily="34" charset="-120"/>
                 <a:ea typeface="微軟正黑體" pitchFamily="34" charset="-120"/>
               </a:rPr>
               <a:t>主</a:t>
             </a:r>
-            <a:endParaRPr lang="en-US" altLang="zh-TW" sz="5400" b="1" dirty="0" smtClean="0">
+            <a:endParaRPr lang="en-US" altLang="zh-TW" sz="5400" b="1" dirty="0">
               <a:latin typeface="微軟正黑體" pitchFamily="34" charset="-120"/>
               <a:ea typeface="微軟正黑體" pitchFamily="34" charset="-120"/>
             </a:endParaRPr>
@@ -4187,7 +4189,7 @@
               <a:buNone/>
             </a:pPr>
             <a:r>
-              <a:rPr lang="zh-TW" altLang="en-US" sz="5400" b="1" dirty="0" smtClean="0">
+              <a:rPr lang="zh-TW" altLang="en-US" sz="5400" b="1" dirty="0">
                 <a:latin typeface="微軟正黑體" pitchFamily="34" charset="-120"/>
                 <a:ea typeface="微軟正黑體" pitchFamily="34" charset="-120"/>
               </a:rPr>
@@ -4201,7 +4203,7 @@
               <a:t>已成就大事</a:t>
             </a:r>
             <a:r>
-              <a:rPr lang="zh-TW" altLang="en-US" sz="5400" b="1" dirty="0" smtClean="0">
+              <a:rPr lang="zh-TW" altLang="en-US" sz="5400" b="1" dirty="0">
                 <a:latin typeface="微軟正黑體" pitchFamily="34" charset="-120"/>
                 <a:ea typeface="微軟正黑體" pitchFamily="34" charset="-120"/>
               </a:rPr>
@@ -4278,7 +4280,7 @@
         </p:nvSpPr>
         <p:spPr>
           <a:xfrm>
-            <a:off x="0" y="1600200"/>
+            <a:off x="1524000" y="1600201"/>
             <a:ext cx="9144000" cy="4525963"/>
           </a:xfrm>
         </p:spPr>
@@ -4299,13 +4301,13 @@
               <a:t>父神啟示</a:t>
             </a:r>
             <a:r>
-              <a:rPr lang="zh-TW" altLang="en-US" sz="5400" b="1" dirty="0" smtClean="0">
+              <a:rPr lang="zh-TW" altLang="en-US" sz="5400" b="1" dirty="0">
                 <a:latin typeface="微軟正黑體" pitchFamily="34" charset="-120"/>
                 <a:ea typeface="微軟正黑體" pitchFamily="34" charset="-120"/>
               </a:rPr>
               <a:t>真理</a:t>
             </a:r>
-            <a:endParaRPr lang="en-US" altLang="zh-TW" sz="5400" b="1" dirty="0" smtClean="0">
+            <a:endParaRPr lang="en-US" altLang="zh-TW" sz="5400" b="1" dirty="0">
               <a:latin typeface="微軟正黑體" pitchFamily="34" charset="-120"/>
               <a:ea typeface="微軟正黑體" pitchFamily="34" charset="-120"/>
             </a:endParaRPr>
@@ -4315,7 +4317,7 @@
               <a:buNone/>
             </a:pPr>
             <a:r>
-              <a:rPr lang="zh-TW" altLang="en-US" sz="5400" b="1" dirty="0" smtClean="0">
+              <a:rPr lang="zh-TW" altLang="en-US" sz="5400" b="1" dirty="0">
                 <a:latin typeface="微軟正黑體" pitchFamily="34" charset="-120"/>
                 <a:ea typeface="微軟正黑體" pitchFamily="34" charset="-120"/>
               </a:rPr>
@@ -4329,13 +4331,13 @@
               <a:t>成就</a:t>
             </a:r>
             <a:r>
-              <a:rPr lang="zh-TW" altLang="en-US" sz="5400" b="1" dirty="0" smtClean="0">
+              <a:rPr lang="zh-TW" altLang="en-US" sz="5400" b="1" dirty="0">
                 <a:latin typeface="微軟正黑體" pitchFamily="34" charset="-120"/>
                 <a:ea typeface="微軟正黑體" pitchFamily="34" charset="-120"/>
               </a:rPr>
               <a:t>大事</a:t>
             </a:r>
-            <a:endParaRPr lang="en-US" altLang="zh-TW" sz="5400" b="1" dirty="0" smtClean="0">
+            <a:endParaRPr lang="en-US" altLang="zh-TW" sz="5400" b="1" dirty="0">
               <a:latin typeface="微軟正黑體" pitchFamily="34" charset="-120"/>
               <a:ea typeface="微軟正黑體" pitchFamily="34" charset="-120"/>
             </a:endParaRPr>
@@ -4345,7 +4347,7 @@
               <a:buNone/>
             </a:pPr>
             <a:r>
-              <a:rPr lang="zh-TW" altLang="en-US" sz="5400" b="1" dirty="0" smtClean="0">
+              <a:rPr lang="zh-TW" altLang="en-US" sz="5400" b="1" dirty="0">
                 <a:latin typeface="微軟正黑體" pitchFamily="34" charset="-120"/>
                 <a:ea typeface="微軟正黑體" pitchFamily="34" charset="-120"/>
               </a:rPr>
@@ -4359,13 +4361,13 @@
               <a:t>聖子耶穌我們歡欣</a:t>
             </a:r>
             <a:r>
-              <a:rPr lang="zh-TW" altLang="en-US" sz="5400" b="1" dirty="0" smtClean="0">
+              <a:rPr lang="zh-TW" altLang="en-US" sz="5400" b="1" dirty="0">
                 <a:latin typeface="微軟正黑體" pitchFamily="34" charset="-120"/>
                 <a:ea typeface="微軟正黑體" pitchFamily="34" charset="-120"/>
               </a:rPr>
               <a:t>無比</a:t>
             </a:r>
-            <a:endParaRPr lang="en-US" altLang="zh-TW" sz="5400" b="1" dirty="0" smtClean="0">
+            <a:endParaRPr lang="en-US" altLang="zh-TW" sz="5400" b="1" dirty="0">
               <a:latin typeface="微軟正黑體" pitchFamily="34" charset="-120"/>
               <a:ea typeface="微軟正黑體" pitchFamily="34" charset="-120"/>
             </a:endParaRPr>
@@ -4375,7 +4377,7 @@
               <a:buNone/>
             </a:pPr>
             <a:r>
-              <a:rPr lang="zh-TW" altLang="en-US" sz="5400" b="1" dirty="0" smtClean="0">
+              <a:rPr lang="zh-TW" altLang="en-US" sz="5400" b="1" dirty="0">
                 <a:latin typeface="微軟正黑體" pitchFamily="34" charset="-120"/>
                 <a:ea typeface="微軟正黑體" pitchFamily="34" charset="-120"/>
               </a:rPr>
@@ -4389,13 +4391,13 @@
               <a:t>將來見主面我們必更</a:t>
             </a:r>
             <a:r>
-              <a:rPr lang="zh-TW" altLang="en-US" sz="5400" b="1" dirty="0" smtClean="0">
+              <a:rPr lang="zh-TW" altLang="en-US" sz="5400" b="1" dirty="0">
                 <a:latin typeface="微軟正黑體" pitchFamily="34" charset="-120"/>
                 <a:ea typeface="微軟正黑體" pitchFamily="34" charset="-120"/>
               </a:rPr>
               <a:t>驚訝</a:t>
             </a:r>
-            <a:endParaRPr lang="en-US" altLang="zh-TW" sz="5400" b="1" dirty="0" smtClean="0">
+            <a:endParaRPr lang="en-US" altLang="zh-TW" sz="5400" b="1" dirty="0">
               <a:latin typeface="微軟正黑體" pitchFamily="34" charset="-120"/>
               <a:ea typeface="微軟正黑體" pitchFamily="34" charset="-120"/>
             </a:endParaRPr>
@@ -4405,7 +4407,7 @@
               <a:buNone/>
             </a:pPr>
             <a:r>
-              <a:rPr lang="zh-TW" altLang="en-US" sz="5400" b="1" dirty="0" smtClean="0">
+              <a:rPr lang="zh-TW" altLang="en-US" sz="5400" b="1" dirty="0">
                 <a:latin typeface="微軟正黑體" pitchFamily="34" charset="-120"/>
                 <a:ea typeface="微軟正黑體" pitchFamily="34" charset="-120"/>
               </a:rPr>
@@ -4419,7 +4421,7 @@
               <a:t>奇妙</a:t>
             </a:r>
             <a:r>
-              <a:rPr lang="zh-TW" altLang="en-US" sz="5400" b="1" dirty="0" smtClean="0">
+              <a:rPr lang="zh-TW" altLang="en-US" sz="5400" b="1" dirty="0">
                 <a:latin typeface="微軟正黑體" pitchFamily="34" charset="-120"/>
                 <a:ea typeface="微軟正黑體" pitchFamily="34" charset="-120"/>
               </a:rPr>
@@ -4433,7 +4435,7 @@
               <a:t>純潔</a:t>
             </a:r>
             <a:r>
-              <a:rPr lang="zh-TW" altLang="en-US" sz="5400" b="1" dirty="0" smtClean="0">
+              <a:rPr lang="zh-TW" altLang="en-US" sz="5400" b="1" dirty="0">
                 <a:latin typeface="微軟正黑體" pitchFamily="34" charset="-120"/>
                 <a:ea typeface="微軟正黑體" pitchFamily="34" charset="-120"/>
               </a:rPr>
@@ -4510,7 +4512,7 @@
         </p:nvSpPr>
         <p:spPr>
           <a:xfrm>
-            <a:off x="0" y="1600200"/>
+            <a:off x="1524000" y="1600201"/>
             <a:ext cx="9144000" cy="4525963"/>
           </a:xfrm>
         </p:spPr>
@@ -4531,13 +4533,13 @@
               <a:t>讚美</a:t>
             </a:r>
             <a:r>
-              <a:rPr lang="zh-TW" altLang="en-US" sz="5400" b="1" dirty="0" smtClean="0">
+              <a:rPr lang="zh-TW" altLang="en-US" sz="5400" b="1" dirty="0">
                 <a:latin typeface="微軟正黑體" pitchFamily="34" charset="-120"/>
                 <a:ea typeface="微軟正黑體" pitchFamily="34" charset="-120"/>
               </a:rPr>
               <a:t>主   讚美主</a:t>
             </a:r>
-            <a:endParaRPr lang="en-US" altLang="zh-TW" sz="5400" b="1" dirty="0" smtClean="0">
+            <a:endParaRPr lang="en-US" altLang="zh-TW" sz="5400" b="1" dirty="0">
               <a:latin typeface="微軟正黑體" pitchFamily="34" charset="-120"/>
               <a:ea typeface="微軟正黑體" pitchFamily="34" charset="-120"/>
             </a:endParaRPr>
@@ -4547,7 +4549,7 @@
               <a:buNone/>
             </a:pPr>
             <a:r>
-              <a:rPr lang="zh-TW" altLang="en-US" sz="5400" b="1" dirty="0" smtClean="0">
+              <a:rPr lang="zh-TW" altLang="en-US" sz="5400" b="1" dirty="0">
                 <a:latin typeface="微軟正黑體" pitchFamily="34" charset="-120"/>
                 <a:ea typeface="微軟正黑體" pitchFamily="34" charset="-120"/>
               </a:rPr>
@@ -4561,7 +4563,7 @@
               <a:t>地聆聽主</a:t>
             </a:r>
             <a:r>
-              <a:rPr lang="zh-TW" altLang="en-US" sz="5400" b="1" dirty="0" smtClean="0">
+              <a:rPr lang="zh-TW" altLang="en-US" sz="5400" b="1" dirty="0">
                 <a:latin typeface="微軟正黑體" pitchFamily="34" charset="-120"/>
                 <a:ea typeface="微軟正黑體" pitchFamily="34" charset="-120"/>
               </a:rPr>
@@ -4574,7 +4576,7 @@
               </a:rPr>
               <a:t>　　</a:t>
             </a:r>
-            <a:endParaRPr lang="en-US" altLang="zh-TW" sz="5400" b="1" dirty="0" smtClean="0">
+            <a:endParaRPr lang="en-US" altLang="zh-TW" sz="5400" b="1" dirty="0">
               <a:latin typeface="微軟正黑體" pitchFamily="34" charset="-120"/>
               <a:ea typeface="微軟正黑體" pitchFamily="34" charset="-120"/>
             </a:endParaRPr>
@@ -4584,20 +4586,13 @@
               <a:buNone/>
             </a:pPr>
             <a:r>
-              <a:rPr lang="zh-TW" altLang="en-US" sz="5400" b="1" dirty="0" smtClean="0">
-                <a:latin typeface="微軟正黑體" pitchFamily="34" charset="-120"/>
-                <a:ea typeface="微軟正黑體" pitchFamily="34" charset="-120"/>
-              </a:rPr>
-              <a:t>讚美</a:t>
-            </a:r>
-            <a:r>
-              <a:rPr lang="zh-TW" altLang="en-US" sz="5400" b="1" dirty="0" smtClean="0">
-                <a:latin typeface="微軟正黑體" pitchFamily="34" charset="-120"/>
-                <a:ea typeface="微軟正黑體" pitchFamily="34" charset="-120"/>
-              </a:rPr>
-              <a:t>主   讚美主</a:t>
-            </a:r>
-            <a:endParaRPr lang="en-US" altLang="zh-TW" sz="5400" b="1" dirty="0" smtClean="0">
+              <a:rPr lang="zh-TW" altLang="en-US" sz="5400" b="1" dirty="0">
+                <a:latin typeface="微軟正黑體" pitchFamily="34" charset="-120"/>
+                <a:ea typeface="微軟正黑體" pitchFamily="34" charset="-120"/>
+              </a:rPr>
+              <a:t>讚美主   讚美主</a:t>
+            </a:r>
+            <a:endParaRPr lang="en-US" altLang="zh-TW" sz="5400" b="1" dirty="0">
               <a:latin typeface="微軟正黑體" pitchFamily="34" charset="-120"/>
               <a:ea typeface="微軟正黑體" pitchFamily="34" charset="-120"/>
             </a:endParaRPr>
@@ -4607,7 +4602,7 @@
               <a:buNone/>
             </a:pPr>
             <a:r>
-              <a:rPr lang="zh-TW" altLang="en-US" sz="5400" b="1" dirty="0" smtClean="0">
+              <a:rPr lang="zh-TW" altLang="en-US" sz="5400" b="1" dirty="0">
                 <a:latin typeface="微軟正黑體" pitchFamily="34" charset="-120"/>
                 <a:ea typeface="微軟正黑體" pitchFamily="34" charset="-120"/>
               </a:rPr>
@@ -4621,13 +4616,13 @@
               <a:t>民快樂</a:t>
             </a:r>
             <a:r>
-              <a:rPr lang="zh-TW" altLang="en-US" sz="5400" b="1" dirty="0" smtClean="0">
+              <a:rPr lang="zh-TW" altLang="en-US" sz="5400" b="1" dirty="0">
                 <a:latin typeface="微軟正黑體" pitchFamily="34" charset="-120"/>
                 <a:ea typeface="微軟正黑體" pitchFamily="34" charset="-120"/>
               </a:rPr>
               <a:t>歡欣</a:t>
             </a:r>
-            <a:endParaRPr lang="en-US" altLang="zh-TW" sz="5400" b="1" dirty="0" smtClean="0">
+            <a:endParaRPr lang="en-US" altLang="zh-TW" sz="5400" b="1" dirty="0">
               <a:latin typeface="微軟正黑體" pitchFamily="34" charset="-120"/>
               <a:ea typeface="微軟正黑體" pitchFamily="34" charset="-120"/>
             </a:endParaRPr>
@@ -4698,7 +4693,7 @@
         </p:nvSpPr>
         <p:spPr>
           <a:xfrm>
-            <a:off x="0" y="1600200"/>
+            <a:off x="1524000" y="1600201"/>
             <a:ext cx="9144000" cy="4525963"/>
           </a:xfrm>
         </p:spPr>
@@ -4712,7 +4707,7 @@
               <a:buNone/>
             </a:pPr>
             <a:r>
-              <a:rPr lang="zh-TW" altLang="en-US" sz="5400" b="1" dirty="0" smtClean="0">
+              <a:rPr lang="zh-TW" altLang="en-US" sz="5400" b="1" dirty="0">
                 <a:latin typeface="微軟正黑體" pitchFamily="34" charset="-120"/>
                 <a:ea typeface="微軟正黑體" pitchFamily="34" charset="-120"/>
               </a:rPr>
@@ -4726,7 +4721,7 @@
               <a:t>來藉聖子耶穌來到父</a:t>
             </a:r>
             <a:r>
-              <a:rPr lang="zh-TW" altLang="en-US" sz="5400" b="1" dirty="0" smtClean="0">
+              <a:rPr lang="zh-TW" altLang="en-US" sz="5400" b="1" dirty="0">
                 <a:latin typeface="微軟正黑體" pitchFamily="34" charset="-120"/>
                 <a:ea typeface="微軟正黑體" pitchFamily="34" charset="-120"/>
               </a:rPr>
@@ -4739,7 +4734,7 @@
               </a:rPr>
               <a:t>　　</a:t>
             </a:r>
-            <a:endParaRPr lang="en-US" altLang="zh-TW" sz="5400" b="1" dirty="0" smtClean="0">
+            <a:endParaRPr lang="en-US" altLang="zh-TW" sz="5400" b="1" dirty="0">
               <a:latin typeface="微軟正黑體" pitchFamily="34" charset="-120"/>
               <a:ea typeface="微軟正黑體" pitchFamily="34" charset="-120"/>
             </a:endParaRPr>
@@ -4749,7 +4744,7 @@
               <a:buNone/>
             </a:pPr>
             <a:r>
-              <a:rPr lang="zh-TW" altLang="en-US" sz="5400" b="1" dirty="0" smtClean="0">
+              <a:rPr lang="zh-TW" altLang="en-US" sz="5400" b="1" dirty="0">
                 <a:latin typeface="微軟正黑體" pitchFamily="34" charset="-120"/>
                 <a:ea typeface="微軟正黑體" pitchFamily="34" charset="-120"/>
               </a:rPr>
@@ -4763,13 +4758,13 @@
               <a:t>歸</a:t>
             </a:r>
             <a:r>
-              <a:rPr lang="zh-TW" altLang="en-US" sz="5400" b="1" dirty="0" smtClean="0">
+              <a:rPr lang="zh-TW" altLang="en-US" sz="5400" b="1" dirty="0">
                 <a:latin typeface="微軟正黑體" pitchFamily="34" charset="-120"/>
                 <a:ea typeface="微軟正黑體" pitchFamily="34" charset="-120"/>
               </a:rPr>
               <a:t>主</a:t>
             </a:r>
-            <a:endParaRPr lang="en-US" altLang="zh-TW" sz="5400" b="1" dirty="0" smtClean="0">
+            <a:endParaRPr lang="en-US" altLang="zh-TW" sz="5400" b="1" dirty="0">
               <a:latin typeface="微軟正黑體" pitchFamily="34" charset="-120"/>
               <a:ea typeface="微軟正黑體" pitchFamily="34" charset="-120"/>
             </a:endParaRPr>
@@ -4779,7 +4774,7 @@
               <a:buNone/>
             </a:pPr>
             <a:r>
-              <a:rPr lang="zh-TW" altLang="en-US" sz="5400" b="1" dirty="0" smtClean="0">
+              <a:rPr lang="zh-TW" altLang="en-US" sz="5400" b="1" dirty="0">
                 <a:latin typeface="微軟正黑體" pitchFamily="34" charset="-120"/>
                 <a:ea typeface="微軟正黑體" pitchFamily="34" charset="-120"/>
               </a:rPr>
@@ -4793,7 +4788,7 @@
               <a:t>已成就大事</a:t>
             </a:r>
             <a:r>
-              <a:rPr lang="zh-TW" altLang="en-US" sz="5400" b="1" dirty="0" smtClean="0">
+              <a:rPr lang="zh-TW" altLang="en-US" sz="5400" b="1" dirty="0">
                 <a:latin typeface="微軟正黑體" pitchFamily="34" charset="-120"/>
                 <a:ea typeface="微軟正黑體" pitchFamily="34" charset="-120"/>
               </a:rPr>
